--- a/MessageBus.pptx
+++ b/MessageBus.pptx
@@ -928,7 +928,7 @@
           <a:p>
             <a:fld id="{6AC4FB8F-ED15-48AB-97BD-17129D4E699D}" type="datetimeFigureOut">
               <a:rPr lang="de-DE" smtClean="0"/>
-              <a:t>11.04.2017</a:t>
+              <a:t>18.04.2017</a:t>
             </a:fld>
             <a:endParaRPr lang="de-DE" dirty="0"/>
           </a:p>
@@ -1093,7 +1093,7 @@
           <a:p>
             <a:fld id="{BBC9D437-CD83-4825-AD0D-5E7B341BC79B}" type="datetimeFigureOut">
               <a:rPr lang="de-DE" smtClean="0"/>
-              <a:t>11.04.2017</a:t>
+              <a:t>18.04.2017</a:t>
             </a:fld>
             <a:endParaRPr lang="de-DE" dirty="0"/>
           </a:p>
@@ -1500,67 +1500,68 @@
           <a:p>
             <a:r>
               <a:rPr lang="de-DE" dirty="0"/>
-              <a:t>Die UI setzt</a:t>
+              <a:t>Vorstellung</a:t>
             </a:r>
             <a:r>
               <a:rPr lang="de-DE" baseline="0" dirty="0"/>
-              <a:t> ein Befehl (Command ab).</a:t>
+              <a:t> Ablauf</a:t>
             </a:r>
           </a:p>
           <a:p>
             <a:r>
               <a:rPr lang="de-DE" baseline="0" dirty="0"/>
-              <a:t>Der Command </a:t>
+              <a:t>Ist mit MSQM und </a:t>
             </a:r>
             <a:r>
               <a:rPr lang="de-DE" baseline="0" dirty="0" err="1"/>
-              <a:t>handler</a:t>
+              <a:t>Shuttle.esb</a:t>
             </a:r>
             <a:r>
               <a:rPr lang="de-DE" baseline="0" dirty="0"/>
-              <a:t> empfängt diesen Befehl und verarbeitet ihn. Nach der Verarbeitung wird ein Änderungs-Event gesendet („Ich habe Item X geändert“).</a:t>
+              <a:t> entwickelt</a:t>
             </a:r>
           </a:p>
           <a:p>
             <a:r>
               <a:rPr lang="de-DE" baseline="0" dirty="0"/>
-              <a:t>Der Eventstore merkt sich dieses Event.</a:t>
-            </a:r>
+              <a:t>Zeigen der lauffähigen Demo</a:t>
+            </a:r>
+          </a:p>
+          <a:p>
+            <a:endParaRPr lang="de-DE" baseline="0" dirty="0"/>
           </a:p>
           <a:p>
             <a:r>
               <a:rPr lang="de-DE" baseline="0" dirty="0"/>
-              <a:t>Die Projektion erzeugt aus dem Event und dessen Informationen seine Read-Models. Jedes Einzelne Read </a:t>
+              <a:t>Schnelles durchgehen des Codes -&gt; Studio </a:t>
             </a:r>
             <a:r>
               <a:rPr lang="de-DE" baseline="0" dirty="0" err="1"/>
-              <a:t>model</a:t>
+              <a:t>Presentation</a:t>
             </a:r>
             <a:r>
               <a:rPr lang="de-DE" baseline="0" dirty="0"/>
-              <a:t> ist für ein bestimmte Abfrage optimiert.</a:t>
-            </a:r>
+              <a:t> </a:t>
+            </a:r>
+            <a:r>
+              <a:rPr lang="de-DE" baseline="0" dirty="0" err="1"/>
+              <a:t>mode</a:t>
+            </a:r>
+            <a:endParaRPr lang="de-DE" baseline="0" dirty="0"/>
+          </a:p>
+          <a:p>
+            <a:endParaRPr lang="de-DE" baseline="0" dirty="0"/>
           </a:p>
           <a:p>
             <a:r>
               <a:rPr lang="de-DE" baseline="0" dirty="0"/>
-              <a:t>Über die Abfrage-</a:t>
-            </a:r>
-            <a:r>
-              <a:rPr lang="de-DE" baseline="0" dirty="0" err="1"/>
-              <a:t>Fassage</a:t>
-            </a:r>
+              <a:t>Zeigen von Rebus-Version</a:t>
+            </a:r>
+          </a:p>
+          <a:p>
             <a:r>
               <a:rPr lang="de-DE" baseline="0" dirty="0"/>
-              <a:t> (Webservice) werden </a:t>
-            </a:r>
-            <a:r>
-              <a:rPr lang="de-DE" baseline="0" dirty="0" err="1"/>
-              <a:t>daten</a:t>
-            </a:r>
-            <a:r>
-              <a:rPr lang="de-DE" baseline="0" dirty="0"/>
-              <a:t> für einen bestimmten Fall abgefragt.</a:t>
+              <a:t>Erklären vom Routing</a:t>
             </a:r>
             <a:endParaRPr lang="de-DE" dirty="0"/>
           </a:p>
@@ -1583,6 +1584,352 @@
           <a:p>
             <a:fld id="{560CF8BB-EBC7-4B8F-9632-A5A136FBB880}" type="slidenum">
               <a:rPr lang="de-DE" smtClean="0"/>
+              <a:t>8</a:t>
+            </a:fld>
+            <a:endParaRPr lang="de-DE" dirty="0"/>
+          </a:p>
+        </p:txBody>
+      </p:sp>
+    </p:spTree>
+    <p:extLst>
+      <p:ext uri="{BB962C8B-B14F-4D97-AF65-F5344CB8AC3E}">
+        <p14:creationId xmlns:p14="http://schemas.microsoft.com/office/powerpoint/2010/main" val="875762598"/>
+      </p:ext>
+    </p:extLst>
+  </p:cSld>
+  <p:clrMapOvr>
+    <a:masterClrMapping/>
+  </p:clrMapOvr>
+</p:notes>
+</file>
+
+<file path=ppt/notesSlides/notesSlide3.xml><?xml version="1.0" encoding="utf-8"?>
+<p:notes xmlns:a="http://schemas.openxmlformats.org/drawingml/2006/main" xmlns:r="http://schemas.openxmlformats.org/officeDocument/2006/relationships" xmlns:p="http://schemas.openxmlformats.org/presentationml/2006/main">
+  <p:cSld>
+    <p:spTree>
+      <p:nvGrpSpPr>
+        <p:cNvPr id="1" name=""/>
+        <p:cNvGrpSpPr/>
+        <p:nvPr/>
+      </p:nvGrpSpPr>
+      <p:grpSpPr>
+        <a:xfrm>
+          <a:off x="0" y="0"/>
+          <a:ext cx="0" cy="0"/>
+          <a:chOff x="0" y="0"/>
+          <a:chExt cx="0" cy="0"/>
+        </a:xfrm>
+      </p:grpSpPr>
+      <p:sp>
+        <p:nvSpPr>
+          <p:cNvPr id="2" name="Folienbildplatzhalter 1"/>
+          <p:cNvSpPr>
+            <a:spLocks noGrp="1" noRot="1" noChangeAspect="1"/>
+          </p:cNvSpPr>
+          <p:nvPr>
+            <p:ph type="sldImg"/>
+          </p:nvPr>
+        </p:nvSpPr>
+        <p:spPr/>
+      </p:sp>
+      <p:sp>
+        <p:nvSpPr>
+          <p:cNvPr id="3" name="Notizenplatzhalter 2"/>
+          <p:cNvSpPr>
+            <a:spLocks noGrp="1"/>
+          </p:cNvSpPr>
+          <p:nvPr>
+            <p:ph type="body" idx="1"/>
+          </p:nvPr>
+        </p:nvSpPr>
+        <p:spPr/>
+        <p:txBody>
+          <a:bodyPr/>
+          <a:lstStyle/>
+          <a:p>
+            <a:r>
+              <a:rPr lang="de-DE" dirty="0"/>
+              <a:t>Vorstellung Ablauf</a:t>
+            </a:r>
+          </a:p>
+          <a:p>
+            <a:r>
+              <a:rPr lang="de-DE" dirty="0"/>
+              <a:t>Mit Rebus und MSMQ erstellt</a:t>
+            </a:r>
+          </a:p>
+          <a:p>
+            <a:r>
+              <a:rPr lang="de-DE" dirty="0"/>
+              <a:t>Zeigen der Demo und des Codes</a:t>
+            </a:r>
+          </a:p>
+        </p:txBody>
+      </p:sp>
+      <p:sp>
+        <p:nvSpPr>
+          <p:cNvPr id="4" name="Foliennummernplatzhalter 3"/>
+          <p:cNvSpPr>
+            <a:spLocks noGrp="1"/>
+          </p:cNvSpPr>
+          <p:nvPr>
+            <p:ph type="sldNum" sz="quarter" idx="10"/>
+          </p:nvPr>
+        </p:nvSpPr>
+        <p:spPr/>
+        <p:txBody>
+          <a:bodyPr/>
+          <a:lstStyle/>
+          <a:p>
+            <a:fld id="{560CF8BB-EBC7-4B8F-9632-A5A136FBB880}" type="slidenum">
+              <a:rPr lang="de-DE" smtClean="0"/>
+              <a:t>9</a:t>
+            </a:fld>
+            <a:endParaRPr lang="de-DE" dirty="0"/>
+          </a:p>
+        </p:txBody>
+      </p:sp>
+    </p:spTree>
+    <p:extLst>
+      <p:ext uri="{BB962C8B-B14F-4D97-AF65-F5344CB8AC3E}">
+        <p14:creationId xmlns:p14="http://schemas.microsoft.com/office/powerpoint/2010/main" val="3520852183"/>
+      </p:ext>
+    </p:extLst>
+  </p:cSld>
+  <p:clrMapOvr>
+    <a:masterClrMapping/>
+  </p:clrMapOvr>
+</p:notes>
+</file>
+
+<file path=ppt/notesSlides/notesSlide4.xml><?xml version="1.0" encoding="utf-8"?>
+<p:notes xmlns:a="http://schemas.openxmlformats.org/drawingml/2006/main" xmlns:r="http://schemas.openxmlformats.org/officeDocument/2006/relationships" xmlns:p="http://schemas.openxmlformats.org/presentationml/2006/main">
+  <p:cSld>
+    <p:spTree>
+      <p:nvGrpSpPr>
+        <p:cNvPr id="1" name=""/>
+        <p:cNvGrpSpPr/>
+        <p:nvPr/>
+      </p:nvGrpSpPr>
+      <p:grpSpPr>
+        <a:xfrm>
+          <a:off x="0" y="0"/>
+          <a:ext cx="0" cy="0"/>
+          <a:chOff x="0" y="0"/>
+          <a:chExt cx="0" cy="0"/>
+        </a:xfrm>
+      </p:grpSpPr>
+      <p:sp>
+        <p:nvSpPr>
+          <p:cNvPr id="2" name="Folienbildplatzhalter 1"/>
+          <p:cNvSpPr>
+            <a:spLocks noGrp="1" noRot="1" noChangeAspect="1"/>
+          </p:cNvSpPr>
+          <p:nvPr>
+            <p:ph type="sldImg"/>
+          </p:nvPr>
+        </p:nvSpPr>
+        <p:spPr/>
+      </p:sp>
+      <p:sp>
+        <p:nvSpPr>
+          <p:cNvPr id="3" name="Notizenplatzhalter 2"/>
+          <p:cNvSpPr>
+            <a:spLocks noGrp="1"/>
+          </p:cNvSpPr>
+          <p:nvPr>
+            <p:ph type="body" idx="1"/>
+          </p:nvPr>
+        </p:nvSpPr>
+        <p:spPr/>
+        <p:txBody>
+          <a:bodyPr/>
+          <a:lstStyle/>
+          <a:p>
+            <a:r>
+              <a:rPr lang="de-DE" dirty="0"/>
+              <a:t>Zeigen des geänderten Ablaufs</a:t>
+            </a:r>
+          </a:p>
+          <a:p>
+            <a:r>
+              <a:rPr lang="de-DE" dirty="0"/>
+              <a:t>Saga erklären</a:t>
+            </a:r>
+          </a:p>
+          <a:p>
+            <a:r>
+              <a:rPr lang="de-DE" dirty="0"/>
+              <a:t>Demo laufen lassen</a:t>
+            </a:r>
+          </a:p>
+        </p:txBody>
+      </p:sp>
+      <p:sp>
+        <p:nvSpPr>
+          <p:cNvPr id="4" name="Foliennummernplatzhalter 3"/>
+          <p:cNvSpPr>
+            <a:spLocks noGrp="1"/>
+          </p:cNvSpPr>
+          <p:nvPr>
+            <p:ph type="sldNum" sz="quarter" idx="10"/>
+          </p:nvPr>
+        </p:nvSpPr>
+        <p:spPr/>
+        <p:txBody>
+          <a:bodyPr/>
+          <a:lstStyle/>
+          <a:p>
+            <a:fld id="{560CF8BB-EBC7-4B8F-9632-A5A136FBB880}" type="slidenum">
+              <a:rPr lang="de-DE" smtClean="0"/>
+              <a:t>10</a:t>
+            </a:fld>
+            <a:endParaRPr lang="de-DE" dirty="0"/>
+          </a:p>
+        </p:txBody>
+      </p:sp>
+    </p:spTree>
+    <p:extLst>
+      <p:ext uri="{BB962C8B-B14F-4D97-AF65-F5344CB8AC3E}">
+        <p14:creationId xmlns:p14="http://schemas.microsoft.com/office/powerpoint/2010/main" val="2632975141"/>
+      </p:ext>
+    </p:extLst>
+  </p:cSld>
+  <p:clrMapOvr>
+    <a:masterClrMapping/>
+  </p:clrMapOvr>
+</p:notes>
+</file>
+
+<file path=ppt/notesSlides/notesSlide5.xml><?xml version="1.0" encoding="utf-8"?>
+<p:notes xmlns:a="http://schemas.openxmlformats.org/drawingml/2006/main" xmlns:r="http://schemas.openxmlformats.org/officeDocument/2006/relationships" xmlns:p="http://schemas.openxmlformats.org/presentationml/2006/main">
+  <p:cSld>
+    <p:spTree>
+      <p:nvGrpSpPr>
+        <p:cNvPr id="1" name=""/>
+        <p:cNvGrpSpPr/>
+        <p:nvPr/>
+      </p:nvGrpSpPr>
+      <p:grpSpPr>
+        <a:xfrm>
+          <a:off x="0" y="0"/>
+          <a:ext cx="0" cy="0"/>
+          <a:chOff x="0" y="0"/>
+          <a:chExt cx="0" cy="0"/>
+        </a:xfrm>
+      </p:grpSpPr>
+      <p:sp>
+        <p:nvSpPr>
+          <p:cNvPr id="2" name="Folienbildplatzhalter 1"/>
+          <p:cNvSpPr>
+            <a:spLocks noGrp="1" noRot="1" noChangeAspect="1"/>
+          </p:cNvSpPr>
+          <p:nvPr>
+            <p:ph type="sldImg"/>
+          </p:nvPr>
+        </p:nvSpPr>
+        <p:spPr/>
+      </p:sp>
+      <p:sp>
+        <p:nvSpPr>
+          <p:cNvPr id="3" name="Notizenplatzhalter 2"/>
+          <p:cNvSpPr>
+            <a:spLocks noGrp="1"/>
+          </p:cNvSpPr>
+          <p:nvPr>
+            <p:ph type="body" idx="1"/>
+          </p:nvPr>
+        </p:nvSpPr>
+        <p:spPr/>
+        <p:txBody>
+          <a:bodyPr/>
+          <a:lstStyle/>
+          <a:p>
+            <a:r>
+              <a:rPr lang="de-DE" dirty="0"/>
+              <a:t>Die UI setzt</a:t>
+            </a:r>
+            <a:r>
+              <a:rPr lang="de-DE" baseline="0" dirty="0"/>
+              <a:t> ein Befehl (Command ab).</a:t>
+            </a:r>
+          </a:p>
+          <a:p>
+            <a:r>
+              <a:rPr lang="de-DE" baseline="0" dirty="0"/>
+              <a:t>Der Command </a:t>
+            </a:r>
+            <a:r>
+              <a:rPr lang="de-DE" baseline="0" dirty="0" err="1"/>
+              <a:t>handler</a:t>
+            </a:r>
+            <a:r>
+              <a:rPr lang="de-DE" baseline="0" dirty="0"/>
+              <a:t> empfängt diesen Befehl und verarbeitet ihn. Nach der Verarbeitung wird ein Änderungs-Event gesendet („Ich habe Item X geändert“).</a:t>
+            </a:r>
+          </a:p>
+          <a:p>
+            <a:r>
+              <a:rPr lang="de-DE" baseline="0" dirty="0"/>
+              <a:t>Der Eventstore merkt sich dieses Event.</a:t>
+            </a:r>
+          </a:p>
+          <a:p>
+            <a:r>
+              <a:rPr lang="de-DE" baseline="0" dirty="0"/>
+              <a:t>Die Projektion erzeugt aus dem Event und dessen Informationen seine Read-Models. Jedes Einzelne Read </a:t>
+            </a:r>
+            <a:r>
+              <a:rPr lang="de-DE" baseline="0" dirty="0" err="1"/>
+              <a:t>model</a:t>
+            </a:r>
+            <a:r>
+              <a:rPr lang="de-DE" baseline="0" dirty="0"/>
+              <a:t> ist für ein bestimmte Abfrage optimiert.</a:t>
+            </a:r>
+          </a:p>
+          <a:p>
+            <a:r>
+              <a:rPr lang="de-DE" baseline="0" dirty="0"/>
+              <a:t>Über die Abfrage-</a:t>
+            </a:r>
+            <a:r>
+              <a:rPr lang="de-DE" baseline="0" dirty="0" err="1"/>
+              <a:t>Fassage</a:t>
+            </a:r>
+            <a:r>
+              <a:rPr lang="de-DE" baseline="0" dirty="0"/>
+              <a:t> (Webservice) werden </a:t>
+            </a:r>
+            <a:r>
+              <a:rPr lang="de-DE" baseline="0" dirty="0" err="1"/>
+              <a:t>daten</a:t>
+            </a:r>
+            <a:r>
+              <a:rPr lang="de-DE" baseline="0" dirty="0"/>
+              <a:t> für einen bestimmten Fall abgefragt.</a:t>
+            </a:r>
+            <a:endParaRPr lang="de-DE" dirty="0"/>
+          </a:p>
+        </p:txBody>
+      </p:sp>
+      <p:sp>
+        <p:nvSpPr>
+          <p:cNvPr id="4" name="Foliennummernplatzhalter 3"/>
+          <p:cNvSpPr>
+            <a:spLocks noGrp="1"/>
+          </p:cNvSpPr>
+          <p:nvPr>
+            <p:ph type="sldNum" sz="quarter" idx="10"/>
+          </p:nvPr>
+        </p:nvSpPr>
+        <p:spPr/>
+        <p:txBody>
+          <a:bodyPr/>
+          <a:lstStyle/>
+          <a:p>
+            <a:fld id="{560CF8BB-EBC7-4B8F-9632-A5A136FBB880}" type="slidenum">
+              <a:rPr lang="de-DE" smtClean="0"/>
               <a:t>13</a:t>
             </a:fld>
             <a:endParaRPr lang="de-DE" dirty="0"/>
@@ -1593,6 +1940,179 @@
     <p:extLst>
       <p:ext uri="{BB962C8B-B14F-4D97-AF65-F5344CB8AC3E}">
         <p14:creationId xmlns:p14="http://schemas.microsoft.com/office/powerpoint/2010/main" val="1810486830"/>
+      </p:ext>
+    </p:extLst>
+  </p:cSld>
+  <p:clrMapOvr>
+    <a:masterClrMapping/>
+  </p:clrMapOvr>
+</p:notes>
+</file>
+
+<file path=ppt/notesSlides/notesSlide6.xml><?xml version="1.0" encoding="utf-8"?>
+<p:notes xmlns:a="http://schemas.openxmlformats.org/drawingml/2006/main" xmlns:r="http://schemas.openxmlformats.org/officeDocument/2006/relationships" xmlns:p="http://schemas.openxmlformats.org/presentationml/2006/main">
+  <p:cSld>
+    <p:spTree>
+      <p:nvGrpSpPr>
+        <p:cNvPr id="1" name=""/>
+        <p:cNvGrpSpPr/>
+        <p:nvPr/>
+      </p:nvGrpSpPr>
+      <p:grpSpPr>
+        <a:xfrm>
+          <a:off x="0" y="0"/>
+          <a:ext cx="0" cy="0"/>
+          <a:chOff x="0" y="0"/>
+          <a:chExt cx="0" cy="0"/>
+        </a:xfrm>
+      </p:grpSpPr>
+      <p:sp>
+        <p:nvSpPr>
+          <p:cNvPr id="2" name="Folienbildplatzhalter 1"/>
+          <p:cNvSpPr>
+            <a:spLocks noGrp="1" noRot="1" noChangeAspect="1"/>
+          </p:cNvSpPr>
+          <p:nvPr>
+            <p:ph type="sldImg"/>
+          </p:nvPr>
+        </p:nvSpPr>
+        <p:spPr/>
+      </p:sp>
+      <p:sp>
+        <p:nvSpPr>
+          <p:cNvPr id="3" name="Notizenplatzhalter 2"/>
+          <p:cNvSpPr>
+            <a:spLocks noGrp="1"/>
+          </p:cNvSpPr>
+          <p:nvPr>
+            <p:ph type="body" idx="1"/>
+          </p:nvPr>
+        </p:nvSpPr>
+        <p:spPr/>
+        <p:txBody>
+          <a:bodyPr/>
+          <a:lstStyle/>
+          <a:p>
+            <a:r>
+              <a:rPr lang="de-DE" dirty="0"/>
+              <a:t>Erklärung </a:t>
+            </a:r>
+            <a:r>
+              <a:rPr lang="de-DE" dirty="0" err="1"/>
+              <a:t>ablauf</a:t>
+            </a:r>
+            <a:r>
+              <a:rPr lang="de-DE" dirty="0"/>
+              <a:t> -&gt; </a:t>
+            </a:r>
+            <a:r>
+              <a:rPr lang="de-DE" dirty="0" err="1"/>
+              <a:t>animation</a:t>
+            </a:r>
+            <a:endParaRPr lang="de-DE" dirty="0"/>
+          </a:p>
+          <a:p>
+            <a:r>
+              <a:rPr lang="de-DE" dirty="0"/>
+              <a:t>Code zeigen</a:t>
+            </a:r>
+          </a:p>
+          <a:p>
+            <a:r>
+              <a:rPr lang="de-DE" dirty="0"/>
+              <a:t>Demo zeigen</a:t>
+            </a:r>
+          </a:p>
+          <a:p>
+            <a:r>
+              <a:rPr lang="de-DE" dirty="0"/>
+              <a:t>Payment</a:t>
+            </a:r>
+            <a:r>
+              <a:rPr lang="de-DE" baseline="0" dirty="0"/>
+              <a:t> </a:t>
+            </a:r>
+            <a:r>
+              <a:rPr lang="de-DE" baseline="0" dirty="0" err="1"/>
+              <a:t>service</a:t>
+            </a:r>
+            <a:r>
+              <a:rPr lang="de-DE" baseline="0" dirty="0"/>
+              <a:t> schließen, </a:t>
+            </a:r>
+            <a:r>
+              <a:rPr lang="de-DE" baseline="0" dirty="0" err="1"/>
+              <a:t>orders</a:t>
+            </a:r>
+            <a:r>
+              <a:rPr lang="de-DE" baseline="0" dirty="0"/>
+              <a:t> erstellen, </a:t>
+            </a:r>
+            <a:r>
+              <a:rPr lang="de-DE" baseline="0" dirty="0" err="1"/>
+              <a:t>paymentservice</a:t>
+            </a:r>
+            <a:r>
+              <a:rPr lang="de-DE" baseline="0" dirty="0"/>
+              <a:t> wieder öffnen</a:t>
+            </a:r>
+          </a:p>
+          <a:p>
+            <a:r>
+              <a:rPr lang="de-DE" baseline="0" dirty="0" err="1"/>
+              <a:t>Mehrer</a:t>
+            </a:r>
+            <a:r>
+              <a:rPr lang="de-DE" baseline="0" dirty="0"/>
+              <a:t> </a:t>
+            </a:r>
+            <a:r>
+              <a:rPr lang="de-DE" baseline="0" dirty="0" err="1"/>
+              <a:t>payment</a:t>
+            </a:r>
+            <a:r>
+              <a:rPr lang="de-DE" baseline="0" dirty="0"/>
+              <a:t> </a:t>
+            </a:r>
+            <a:r>
+              <a:rPr lang="de-DE" baseline="0" dirty="0" err="1"/>
+              <a:t>services</a:t>
+            </a:r>
+            <a:r>
+              <a:rPr lang="de-DE" baseline="0" dirty="0"/>
+              <a:t> Öffnen.</a:t>
+            </a:r>
+            <a:endParaRPr lang="de-DE" dirty="0"/>
+          </a:p>
+        </p:txBody>
+      </p:sp>
+      <p:sp>
+        <p:nvSpPr>
+          <p:cNvPr id="4" name="Foliennummernplatzhalter 3"/>
+          <p:cNvSpPr>
+            <a:spLocks noGrp="1"/>
+          </p:cNvSpPr>
+          <p:nvPr>
+            <p:ph type="sldNum" sz="quarter" idx="10"/>
+          </p:nvPr>
+        </p:nvSpPr>
+        <p:spPr/>
+        <p:txBody>
+          <a:bodyPr/>
+          <a:lstStyle/>
+          <a:p>
+            <a:fld id="{560CF8BB-EBC7-4B8F-9632-A5A136FBB880}" type="slidenum">
+              <a:rPr lang="de-DE" smtClean="0"/>
+              <a:t>15</a:t>
+            </a:fld>
+            <a:endParaRPr lang="de-DE" dirty="0"/>
+          </a:p>
+        </p:txBody>
+      </p:sp>
+    </p:spTree>
+    <p:extLst>
+      <p:ext uri="{BB962C8B-B14F-4D97-AF65-F5344CB8AC3E}">
+        <p14:creationId xmlns:p14="http://schemas.microsoft.com/office/powerpoint/2010/main" val="2331396779"/>
       </p:ext>
     </p:extLst>
   </p:cSld>
@@ -6834,7 +7354,7 @@
           </p:xfrm>
           <a:graphic>
             <a:graphicData uri="http://schemas.openxmlformats.org/drawingml/2006/chart">
-              <c:chart xmlns:c="http://schemas.openxmlformats.org/drawingml/2006/chart" xmlns:r="http://schemas.openxmlformats.org/officeDocument/2006/relationships" r:id="rId7"/>
+              <c:chart xmlns:c="http://schemas.openxmlformats.org/drawingml/2006/chart" xmlns:r="http://schemas.openxmlformats.org/officeDocument/2006/relationships" r:id="rId8"/>
             </a:graphicData>
           </a:graphic>
         </p:graphicFrame>
@@ -18287,7 +18807,7 @@
           </p:xfrm>
           <a:graphic>
             <a:graphicData uri="http://schemas.openxmlformats.org/drawingml/2006/chart">
-              <c:chart xmlns:c="http://schemas.openxmlformats.org/drawingml/2006/chart" xmlns:r="http://schemas.openxmlformats.org/officeDocument/2006/relationships" r:id="rId7"/>
+              <c:chart xmlns:c="http://schemas.openxmlformats.org/drawingml/2006/chart" xmlns:r="http://schemas.openxmlformats.org/officeDocument/2006/relationships" r:id="rId8"/>
             </a:graphicData>
           </a:graphic>
         </p:graphicFrame>
@@ -20764,24 +21284,24 @@
 </file>
 
 <file path=customXml/item1.xml><?xml version="1.0" encoding="utf-8"?>
+<Control xmlns="http://schemas.microsoft.com/VisualStudio/2011/storyboarding/control">
+  <Id Name="System.Storyboarding.Media.LineChart" Revision="1" Stencil="System.Storyboarding.Media" StencilVersion="0.1"/>
+</Control>
+</file>
+
+<file path=customXml/item10.xml><?xml version="1.0" encoding="utf-8"?>
+<Control xmlns="http://schemas.microsoft.com/VisualStudio/2011/storyboarding/control">
+  <Id Name="System.Storyboarding.Backgrounds.Window" Revision="1" Stencil="System.Storyboarding.Backgrounds" StencilVersion="0.1"/>
+</Control>
+</file>
+
+<file path=customXml/item11.xml><?xml version="1.0" encoding="utf-8"?>
 <?mso-contentType ?>
 <FormTemplates xmlns="http://schemas.microsoft.com/sharepoint/v3/contenttype/forms">
   <Display>DocumentLibraryForm</Display>
   <Edit>AssetEditForm</Edit>
   <New>DocumentLibraryForm</New>
 </FormTemplates>
-</file>
-
-<file path=customXml/item10.xml><?xml version="1.0" encoding="utf-8"?>
-<Control xmlns="http://schemas.microsoft.com/VisualStudio/2011/storyboarding/control">
-  <Id Name="System.Storyboarding.WindowsDesktop.CommandPrompt" Revision="1" Stencil="System.Storyboarding.WindowsDesktop" StencilVersion="0.1"/>
-</Control>
-</file>
-
-<file path=customXml/item11.xml><?xml version="1.0" encoding="utf-8"?>
-<Control xmlns="http://schemas.microsoft.com/VisualStudio/2011/storyboarding/control">
-  <Id Name="System.Storyboarding.WindowsDesktop.CommandPrompt" Revision="1" Stencil="System.Storyboarding.WindowsDesktop" StencilVersion="0.1"/>
-</Control>
 </file>
 
 <file path=customXml/item12.xml><?xml version="1.0" encoding="utf-8"?>
@@ -20792,13 +21312,13 @@
 
 <file path=customXml/item13.xml><?xml version="1.0" encoding="utf-8"?>
 <Control xmlns="http://schemas.microsoft.com/VisualStudio/2011/storyboarding/control">
-  <Id Name="System.Storyboarding.Media.LineChart" Revision="1" Stencil="System.Storyboarding.Media" StencilVersion="0.1"/>
+  <Id Name="System.Storyboarding.WindowsDesktop.CommandPrompt" Revision="1" Stencil="System.Storyboarding.WindowsDesktop" StencilVersion="0.1"/>
 </Control>
 </file>
 
 <file path=customXml/item14.xml><?xml version="1.0" encoding="utf-8"?>
 <Control xmlns="http://schemas.microsoft.com/VisualStudio/2011/storyboarding/control">
-  <Id Name="System.Storyboarding.Backgrounds.WebBrowser" Revision="1" Stencil="System.Storyboarding.Backgrounds" StencilVersion="0.1"/>
+  <Id Name="System.Storyboarding.WindowsDesktop.CommandPrompt" Revision="1" Stencil="System.Storyboarding.WindowsDesktop" StencilVersion="0.1"/>
 </Control>
 </file>
 
@@ -20816,31 +21336,31 @@
 
 <file path=customXml/item17.xml><?xml version="1.0" encoding="utf-8"?>
 <Control xmlns="http://schemas.microsoft.com/VisualStudio/2011/storyboarding/control">
-  <Id Name="System.Storyboarding.WindowsDesktop.CommandPrompt" Revision="1" Stencil="System.Storyboarding.WindowsDesktop" StencilVersion="0.1"/>
+  <Id Name="System.Storyboarding.Media.LineChart" Revision="1" Stencil="System.Storyboarding.Media" StencilVersion="0.1"/>
 </Control>
 </file>
 
 <file path=customXml/item18.xml><?xml version="1.0" encoding="utf-8"?>
 <Control xmlns="http://schemas.microsoft.com/VisualStudio/2011/storyboarding/control">
-  <Id Name="System.Storyboarding.Backgrounds.WebBrowser" Revision="1" Stencil="System.Storyboarding.Backgrounds" StencilVersion="0.1"/>
+  <Id Name="System.Storyboarding.Backgrounds.Window" Revision="1" Stencil="System.Storyboarding.Backgrounds" StencilVersion="0.1"/>
 </Control>
 </file>
 
 <file path=customXml/item19.xml><?xml version="1.0" encoding="utf-8"?>
 <Control xmlns="http://schemas.microsoft.com/VisualStudio/2011/storyboarding/control">
-  <Id Name="System.Storyboarding.Media.LineChart" Revision="1" Stencil="System.Storyboarding.Media" StencilVersion="0.1"/>
+  <Id Name="System.Storyboarding.WindowsDesktop.CommandPrompt" Revision="1" Stencil="System.Storyboarding.WindowsDesktop" StencilVersion="0.1"/>
 </Control>
 </file>
 
 <file path=customXml/item2.xml><?xml version="1.0" encoding="utf-8"?>
 <Control xmlns="http://schemas.microsoft.com/VisualStudio/2011/storyboarding/control">
-  <Id Name="System.Storyboarding.WindowsDesktop.CommandPrompt" Revision="1" Stencil="System.Storyboarding.WindowsDesktop" StencilVersion="0.1"/>
+  <Id Name="System.Storyboarding.Backgrounds.WebBrowser" Revision="1" Stencil="System.Storyboarding.Backgrounds" StencilVersion="0.1"/>
 </Control>
 </file>
 
 <file path=customXml/item20.xml><?xml version="1.0" encoding="utf-8"?>
 <Control xmlns="http://schemas.microsoft.com/VisualStudio/2011/storyboarding/control">
-  <Id Name="System.Storyboarding.Backgrounds.Window" Revision="1" Stencil="System.Storyboarding.Backgrounds" StencilVersion="0.1"/>
+  <Id Name="System.Storyboarding.Backgrounds.WebBrowser" Revision="1" Stencil="System.Storyboarding.Backgrounds" StencilVersion="0.1"/>
 </Control>
 </file>
 
@@ -20858,13 +21378,13 @@
 
 <file path=customXml/item4.xml><?xml version="1.0" encoding="utf-8"?>
 <Control xmlns="http://schemas.microsoft.com/VisualStudio/2011/storyboarding/control">
-  <Id Name="System.Storyboarding.Backgrounds.Window" Revision="1" Stencil="System.Storyboarding.Backgrounds" StencilVersion="0.1"/>
+  <Id Name="System.Storyboarding.WindowsDesktop.CommandPrompt" Revision="1" Stencil="System.Storyboarding.WindowsDesktop" StencilVersion="0.1"/>
 </Control>
 </file>
 
 <file path=customXml/item5.xml><?xml version="1.0" encoding="utf-8"?>
 <Control xmlns="http://schemas.microsoft.com/VisualStudio/2011/storyboarding/control">
-  <Id Name="System.Storyboarding.WindowsDesktop.CommandPrompt" Revision="1" Stencil="System.Storyboarding.WindowsDesktop" StencilVersion="0.1"/>
+  <Id Name="System.Storyboarding.Backgrounds.Window" Revision="1" Stencil="System.Storyboarding.Backgrounds" StencilVersion="0.1"/>
 </Control>
 </file>
 
@@ -20876,7 +21396,7 @@
 
 <file path=customXml/item7.xml><?xml version="1.0" encoding="utf-8"?>
 <Control xmlns="http://schemas.microsoft.com/VisualStudio/2011/storyboarding/control">
-  <Id Name="System.Storyboarding.Backgrounds.Window" Revision="1" Stencil="System.Storyboarding.Backgrounds" StencilVersion="0.1"/>
+  <Id Name="System.Storyboarding.WindowsDesktop.CommandPrompt" Revision="1" Stencil="System.Storyboarding.WindowsDesktop" StencilVersion="0.1"/>
 </Control>
 </file>
 
@@ -20893,6 +21413,22 @@
 </file>
 
 <file path=customXml/itemProps1.xml><?xml version="1.0" encoding="utf-8"?>
+<ds:datastoreItem xmlns:ds="http://schemas.openxmlformats.org/officeDocument/2006/customXml" ds:itemID="{6E704730-EFDA-4001-A7F8-263EBDB030CD}">
+  <ds:schemaRefs>
+    <ds:schemaRef ds:uri="http://schemas.microsoft.com/VisualStudio/2011/storyboarding/control"/>
+  </ds:schemaRefs>
+</ds:datastoreItem>
+</file>
+
+<file path=customXml/itemProps10.xml><?xml version="1.0" encoding="utf-8"?>
+<ds:datastoreItem xmlns:ds="http://schemas.openxmlformats.org/officeDocument/2006/customXml" ds:itemID="{77F8476C-D6DB-4C8A-B112-BC73850541D8}">
+  <ds:schemaRefs>
+    <ds:schemaRef ds:uri="http://schemas.microsoft.com/VisualStudio/2011/storyboarding/control"/>
+  </ds:schemaRefs>
+</ds:datastoreItem>
+</file>
+
+<file path=customXml/itemProps11.xml><?xml version="1.0" encoding="utf-8"?>
 <ds:datastoreItem xmlns:ds="http://schemas.openxmlformats.org/officeDocument/2006/customXml" ds:itemID="{C1EF0E57-12D2-4B54-A790-AA6D167593A8}">
   <ds:schemaRefs>
     <ds:schemaRef ds:uri="http://schemas.microsoft.com/sharepoint/v3/contenttype/forms"/>
@@ -20900,15 +21436,15 @@
 </ds:datastoreItem>
 </file>
 
-<file path=customXml/itemProps10.xml><?xml version="1.0" encoding="utf-8"?>
-<ds:datastoreItem xmlns:ds="http://schemas.openxmlformats.org/officeDocument/2006/customXml" ds:itemID="{EB43B946-5F3F-496A-BAC0-FDE1610E5DF7}">
+<file path=customXml/itemProps12.xml><?xml version="1.0" encoding="utf-8"?>
+<ds:datastoreItem xmlns:ds="http://schemas.openxmlformats.org/officeDocument/2006/customXml" ds:itemID="{652C99CD-8514-4025-8271-D645EBF63B3A}">
   <ds:schemaRefs>
     <ds:schemaRef ds:uri="http://schemas.microsoft.com/VisualStudio/2011/storyboarding/control"/>
   </ds:schemaRefs>
 </ds:datastoreItem>
 </file>
 
-<file path=customXml/itemProps11.xml><?xml version="1.0" encoding="utf-8"?>
+<file path=customXml/itemProps13.xml><?xml version="1.0" encoding="utf-8"?>
 <ds:datastoreItem xmlns:ds="http://schemas.openxmlformats.org/officeDocument/2006/customXml" ds:itemID="{FCBA8645-7628-40FD-BD48-9894A0006086}">
   <ds:schemaRefs>
     <ds:schemaRef ds:uri="http://schemas.microsoft.com/VisualStudio/2011/storyboarding/control"/>
@@ -20916,24 +21452,8 @@
 </ds:datastoreItem>
 </file>
 
-<file path=customXml/itemProps12.xml><?xml version="1.0" encoding="utf-8"?>
-<ds:datastoreItem xmlns:ds="http://schemas.openxmlformats.org/officeDocument/2006/customXml" ds:itemID="{EFB835FA-19CC-4327-BD13-E7AE34EDE02A}">
-  <ds:schemaRefs>
-    <ds:schemaRef ds:uri="http://schemas.microsoft.com/VisualStudio/2011/storyboarding/control"/>
-  </ds:schemaRefs>
-</ds:datastoreItem>
-</file>
-
-<file path=customXml/itemProps13.xml><?xml version="1.0" encoding="utf-8"?>
-<ds:datastoreItem xmlns:ds="http://schemas.openxmlformats.org/officeDocument/2006/customXml" ds:itemID="{6E704730-EFDA-4001-A7F8-263EBDB030CD}">
-  <ds:schemaRefs>
-    <ds:schemaRef ds:uri="http://schemas.microsoft.com/VisualStudio/2011/storyboarding/control"/>
-  </ds:schemaRefs>
-</ds:datastoreItem>
-</file>
-
 <file path=customXml/itemProps14.xml><?xml version="1.0" encoding="utf-8"?>
-<ds:datastoreItem xmlns:ds="http://schemas.openxmlformats.org/officeDocument/2006/customXml" ds:itemID="{A9102666-D8B3-45A6-A237-D03BA6B8825A}">
+<ds:datastoreItem xmlns:ds="http://schemas.openxmlformats.org/officeDocument/2006/customXml" ds:itemID="{7CA785B5-CD07-476E-84EF-C220FC029469}">
   <ds:schemaRefs>
     <ds:schemaRef ds:uri="http://schemas.microsoft.com/VisualStudio/2011/storyboarding/control"/>
   </ds:schemaRefs>
@@ -20949,7 +21469,7 @@
 </file>
 
 <file path=customXml/itemProps16.xml><?xml version="1.0" encoding="utf-8"?>
-<ds:datastoreItem xmlns:ds="http://schemas.openxmlformats.org/officeDocument/2006/customXml" ds:itemID="{72C281E9-5844-4442-A6FD-9A3E9747C415}">
+<ds:datastoreItem xmlns:ds="http://schemas.openxmlformats.org/officeDocument/2006/customXml" ds:itemID="{EB43B946-5F3F-496A-BAC0-FDE1610E5DF7}">
   <ds:schemaRefs>
     <ds:schemaRef ds:uri="http://schemas.microsoft.com/VisualStudio/2011/storyboarding/control"/>
   </ds:schemaRefs>
@@ -20957,7 +21477,7 @@
 </file>
 
 <file path=customXml/itemProps17.xml><?xml version="1.0" encoding="utf-8"?>
-<ds:datastoreItem xmlns:ds="http://schemas.openxmlformats.org/officeDocument/2006/customXml" ds:itemID="{4C444F71-33D9-4F82-8040-A02C57AF694F}">
+<ds:datastoreItem xmlns:ds="http://schemas.openxmlformats.org/officeDocument/2006/customXml" ds:itemID="{4826D02C-1449-4302-8C50-E9D7F17D4DC9}">
   <ds:schemaRefs>
     <ds:schemaRef ds:uri="http://schemas.microsoft.com/VisualStudio/2011/storyboarding/control"/>
   </ds:schemaRefs>
@@ -20965,6 +21485,22 @@
 </file>
 
 <file path=customXml/itemProps18.xml><?xml version="1.0" encoding="utf-8"?>
+<ds:datastoreItem xmlns:ds="http://schemas.openxmlformats.org/officeDocument/2006/customXml" ds:itemID="{56FB0BF3-931D-42FC-B7D9-AACC7C02A665}">
+  <ds:schemaRefs>
+    <ds:schemaRef ds:uri="http://schemas.microsoft.com/VisualStudio/2011/storyboarding/control"/>
+  </ds:schemaRefs>
+</ds:datastoreItem>
+</file>
+
+<file path=customXml/itemProps19.xml><?xml version="1.0" encoding="utf-8"?>
+<ds:datastoreItem xmlns:ds="http://schemas.openxmlformats.org/officeDocument/2006/customXml" ds:itemID="{9568DDD6-00D9-4A10-A9FD-9890E6AF0548}">
+  <ds:schemaRefs>
+    <ds:schemaRef ds:uri="http://schemas.microsoft.com/VisualStudio/2011/storyboarding/control"/>
+  </ds:schemaRefs>
+</ds:datastoreItem>
+</file>
+
+<file path=customXml/itemProps2.xml><?xml version="1.0" encoding="utf-8"?>
 <ds:datastoreItem xmlns:ds="http://schemas.openxmlformats.org/officeDocument/2006/customXml" ds:itemID="{F37B8CF7-CBBD-4984-8567-C9428FDF89F2}">
   <ds:schemaRefs>
     <ds:schemaRef ds:uri="http://schemas.microsoft.com/VisualStudio/2011/storyboarding/control"/>
@@ -20972,24 +21508,8 @@
 </ds:datastoreItem>
 </file>
 
-<file path=customXml/itemProps19.xml><?xml version="1.0" encoding="utf-8"?>
-<ds:datastoreItem xmlns:ds="http://schemas.openxmlformats.org/officeDocument/2006/customXml" ds:itemID="{4826D02C-1449-4302-8C50-E9D7F17D4DC9}">
-  <ds:schemaRefs>
-    <ds:schemaRef ds:uri="http://schemas.microsoft.com/VisualStudio/2011/storyboarding/control"/>
-  </ds:schemaRefs>
-</ds:datastoreItem>
-</file>
-
-<file path=customXml/itemProps2.xml><?xml version="1.0" encoding="utf-8"?>
-<ds:datastoreItem xmlns:ds="http://schemas.openxmlformats.org/officeDocument/2006/customXml" ds:itemID="{FA752559-DE03-40A5-BC9A-062C23185F4A}">
-  <ds:schemaRefs>
-    <ds:schemaRef ds:uri="http://schemas.microsoft.com/VisualStudio/2011/storyboarding/control"/>
-  </ds:schemaRefs>
-</ds:datastoreItem>
-</file>
-
 <file path=customXml/itemProps20.xml><?xml version="1.0" encoding="utf-8"?>
-<ds:datastoreItem xmlns:ds="http://schemas.openxmlformats.org/officeDocument/2006/customXml" ds:itemID="{77F8476C-D6DB-4C8A-B112-BC73850541D8}">
+<ds:datastoreItem xmlns:ds="http://schemas.openxmlformats.org/officeDocument/2006/customXml" ds:itemID="{A9102666-D8B3-45A6-A237-D03BA6B8825A}">
   <ds:schemaRefs>
     <ds:schemaRef ds:uri="http://schemas.microsoft.com/VisualStudio/2011/storyboarding/control"/>
   </ds:schemaRefs>
@@ -20997,7 +21517,7 @@
 </file>
 
 <file path=customXml/itemProps21.xml><?xml version="1.0" encoding="utf-8"?>
-<ds:datastoreItem xmlns:ds="http://schemas.openxmlformats.org/officeDocument/2006/customXml" ds:itemID="{F8CCA937-E606-46D8-93A5-CD19DF5CBD6C}">
+<ds:datastoreItem xmlns:ds="http://schemas.openxmlformats.org/officeDocument/2006/customXml" ds:itemID="{BE5AFCAC-BA2A-4796-A1DE-805386B60B15}">
   <ds:schemaRefs>
     <ds:schemaRef ds:uri="http://schemas.microsoft.com/VisualStudio/2011/storyboarding/control"/>
   </ds:schemaRefs>
@@ -21013,7 +21533,7 @@
 </file>
 
 <file path=customXml/itemProps4.xml><?xml version="1.0" encoding="utf-8"?>
-<ds:datastoreItem xmlns:ds="http://schemas.openxmlformats.org/officeDocument/2006/customXml" ds:itemID="{56FB0BF3-931D-42FC-B7D9-AACC7C02A665}">
+<ds:datastoreItem xmlns:ds="http://schemas.openxmlformats.org/officeDocument/2006/customXml" ds:itemID="{F8CCA937-E606-46D8-93A5-CD19DF5CBD6C}">
   <ds:schemaRefs>
     <ds:schemaRef ds:uri="http://schemas.microsoft.com/VisualStudio/2011/storyboarding/control"/>
   </ds:schemaRefs>
@@ -21021,7 +21541,7 @@
 </file>
 
 <file path=customXml/itemProps5.xml><?xml version="1.0" encoding="utf-8"?>
-<ds:datastoreItem xmlns:ds="http://schemas.openxmlformats.org/officeDocument/2006/customXml" ds:itemID="{7CA785B5-CD07-476E-84EF-C220FC029469}">
+<ds:datastoreItem xmlns:ds="http://schemas.openxmlformats.org/officeDocument/2006/customXml" ds:itemID="{FFD75C83-7A2F-4943-AB60-CBD5D8852569}">
   <ds:schemaRefs>
     <ds:schemaRef ds:uri="http://schemas.microsoft.com/VisualStudio/2011/storyboarding/control"/>
   </ds:schemaRefs>
@@ -21029,7 +21549,7 @@
 </file>
 
 <file path=customXml/itemProps6.xml><?xml version="1.0" encoding="utf-8"?>
-<ds:datastoreItem xmlns:ds="http://schemas.openxmlformats.org/officeDocument/2006/customXml" ds:itemID="{652C99CD-8514-4025-8271-D645EBF63B3A}">
+<ds:datastoreItem xmlns:ds="http://schemas.openxmlformats.org/officeDocument/2006/customXml" ds:itemID="{EFB835FA-19CC-4327-BD13-E7AE34EDE02A}">
   <ds:schemaRefs>
     <ds:schemaRef ds:uri="http://schemas.microsoft.com/VisualStudio/2011/storyboarding/control"/>
   </ds:schemaRefs>
@@ -21037,7 +21557,7 @@
 </file>
 
 <file path=customXml/itemProps7.xml><?xml version="1.0" encoding="utf-8"?>
-<ds:datastoreItem xmlns:ds="http://schemas.openxmlformats.org/officeDocument/2006/customXml" ds:itemID="{FFD75C83-7A2F-4943-AB60-CBD5D8852569}">
+<ds:datastoreItem xmlns:ds="http://schemas.openxmlformats.org/officeDocument/2006/customXml" ds:itemID="{4C444F71-33D9-4F82-8040-A02C57AF694F}">
   <ds:schemaRefs>
     <ds:schemaRef ds:uri="http://schemas.microsoft.com/VisualStudio/2011/storyboarding/control"/>
   </ds:schemaRefs>
@@ -21045,7 +21565,7 @@
 </file>
 
 <file path=customXml/itemProps8.xml><?xml version="1.0" encoding="utf-8"?>
-<ds:datastoreItem xmlns:ds="http://schemas.openxmlformats.org/officeDocument/2006/customXml" ds:itemID="{BE5AFCAC-BA2A-4796-A1DE-805386B60B15}">
+<ds:datastoreItem xmlns:ds="http://schemas.openxmlformats.org/officeDocument/2006/customXml" ds:itemID="{FA752559-DE03-40A5-BC9A-062C23185F4A}">
   <ds:schemaRefs>
     <ds:schemaRef ds:uri="http://schemas.microsoft.com/VisualStudio/2011/storyboarding/control"/>
   </ds:schemaRefs>
@@ -21053,7 +21573,7 @@
 </file>
 
 <file path=customXml/itemProps9.xml><?xml version="1.0" encoding="utf-8"?>
-<ds:datastoreItem xmlns:ds="http://schemas.openxmlformats.org/officeDocument/2006/customXml" ds:itemID="{9568DDD6-00D9-4A10-A9FD-9890E6AF0548}">
+<ds:datastoreItem xmlns:ds="http://schemas.openxmlformats.org/officeDocument/2006/customXml" ds:itemID="{72C281E9-5844-4442-A6FD-9A3E9747C415}">
   <ds:schemaRefs>
     <ds:schemaRef ds:uri="http://schemas.microsoft.com/VisualStudio/2011/storyboarding/control"/>
   </ds:schemaRefs>

--- a/MessageBus.pptx
+++ b/MessageBus.pptx
@@ -5,39 +5,43 @@
     <p:sldMasterId id="2147483648" r:id="rId22"/>
   </p:sldMasterIdLst>
   <p:notesMasterIdLst>
-    <p:notesMasterId r:id="rId50"/>
+    <p:notesMasterId r:id="rId54"/>
   </p:notesMasterIdLst>
   <p:handoutMasterIdLst>
-    <p:handoutMasterId r:id="rId51"/>
+    <p:handoutMasterId r:id="rId55"/>
   </p:handoutMasterIdLst>
   <p:sldIdLst>
     <p:sldId id="268" r:id="rId23"/>
     <p:sldId id="269" r:id="rId24"/>
-    <p:sldId id="296" r:id="rId25"/>
-    <p:sldId id="298" r:id="rId26"/>
-    <p:sldId id="299" r:id="rId27"/>
-    <p:sldId id="300" r:id="rId28"/>
-    <p:sldId id="297" r:id="rId29"/>
-    <p:sldId id="301" r:id="rId30"/>
-    <p:sldId id="302" r:id="rId31"/>
-    <p:sldId id="288" r:id="rId32"/>
-    <p:sldId id="289" r:id="rId33"/>
-    <p:sldId id="290" r:id="rId34"/>
-    <p:sldId id="280" r:id="rId35"/>
+    <p:sldId id="306" r:id="rId25"/>
+    <p:sldId id="296" r:id="rId26"/>
+    <p:sldId id="298" r:id="rId27"/>
+    <p:sldId id="299" r:id="rId28"/>
+    <p:sldId id="300" r:id="rId29"/>
+    <p:sldId id="297" r:id="rId30"/>
+    <p:sldId id="301" r:id="rId31"/>
+    <p:sldId id="302" r:id="rId32"/>
+    <p:sldId id="288" r:id="rId33"/>
+    <p:sldId id="289" r:id="rId34"/>
+    <p:sldId id="290" r:id="rId35"/>
     <p:sldId id="293" r:id="rId36"/>
     <p:sldId id="294" r:id="rId37"/>
     <p:sldId id="295" r:id="rId38"/>
-    <p:sldId id="292" r:id="rId39"/>
-    <p:sldId id="285" r:id="rId40"/>
-    <p:sldId id="283" r:id="rId41"/>
-    <p:sldId id="284" r:id="rId42"/>
-    <p:sldId id="282" r:id="rId43"/>
-    <p:sldId id="286" r:id="rId44"/>
-    <p:sldId id="281" r:id="rId45"/>
-    <p:sldId id="287" r:id="rId46"/>
-    <p:sldId id="291" r:id="rId47"/>
-    <p:sldId id="273" r:id="rId48"/>
-    <p:sldId id="278" r:id="rId49"/>
+    <p:sldId id="305" r:id="rId39"/>
+    <p:sldId id="303" r:id="rId40"/>
+    <p:sldId id="280" r:id="rId41"/>
+    <p:sldId id="304" r:id="rId42"/>
+    <p:sldId id="292" r:id="rId43"/>
+    <p:sldId id="285" r:id="rId44"/>
+    <p:sldId id="283" r:id="rId45"/>
+    <p:sldId id="284" r:id="rId46"/>
+    <p:sldId id="282" r:id="rId47"/>
+    <p:sldId id="286" r:id="rId48"/>
+    <p:sldId id="281" r:id="rId49"/>
+    <p:sldId id="287" r:id="rId50"/>
+    <p:sldId id="291" r:id="rId51"/>
+    <p:sldId id="273" r:id="rId52"/>
+    <p:sldId id="278" r:id="rId53"/>
   </p:sldIdLst>
   <p:sldSz cx="12192000" cy="6858000"/>
   <p:notesSz cx="6858000" cy="9144000"/>
@@ -1414,16 +1418,6 @@
           <a:bodyPr/>
           <a:lstStyle/>
           <a:p>
-            <a:r>
-              <a:rPr lang="de-DE" dirty="0">
-                <a:solidFill>
-                  <a:srgbClr val="404040"/>
-                </a:solidFill>
-              </a:rPr>
-              <a:t>https://www.heise.de/developer/artikel/CQRS-neues-Architekturprinzip-zur-Trennung-von-Befehlen-und-Abfragen-1797489.html</a:t>
-            </a:r>
-          </a:p>
-          <a:p>
             <a:endParaRPr lang="de-DE" dirty="0"/>
           </a:p>
         </p:txBody>
@@ -1508,22 +1502,7 @@
           <a:bodyPr/>
           <a:lstStyle/>
           <a:p>
-            <a:r>
-              <a:rPr lang="de-DE" dirty="0"/>
-              <a:t>Vorstellung Ablauf</a:t>
-            </a:r>
-          </a:p>
-          <a:p>
-            <a:r>
-              <a:rPr lang="de-DE" dirty="0"/>
-              <a:t>Mit Rebus und MSMQ erstellt</a:t>
-            </a:r>
-          </a:p>
-          <a:p>
-            <a:r>
-              <a:rPr lang="de-DE" dirty="0"/>
-              <a:t>Zeigen der Demo und des Codes</a:t>
-            </a:r>
+            <a:endParaRPr lang="de-DE" dirty="0"/>
           </a:p>
         </p:txBody>
       </p:sp>
@@ -1544,7 +1523,7 @@
           <a:p>
             <a:fld id="{560CF8BB-EBC7-4B8F-9632-A5A136FBB880}" type="slidenum">
               <a:rPr lang="de-DE" smtClean="0"/>
-              <a:t>19</a:t>
+              <a:t>20</a:t>
             </a:fld>
             <a:endParaRPr lang="de-DE" dirty="0"/>
           </a:p>
@@ -1553,7 +1532,7 @@
     </p:spTree>
     <p:extLst>
       <p:ext uri="{BB962C8B-B14F-4D97-AF65-F5344CB8AC3E}">
-        <p14:creationId xmlns:p14="http://schemas.microsoft.com/office/powerpoint/2010/main" val="3520852183"/>
+        <p14:creationId xmlns:p14="http://schemas.microsoft.com/office/powerpoint/2010/main" val="4127073055"/>
       </p:ext>
     </p:extLst>
   </p:cSld>
@@ -1609,20 +1588,70 @@
           <a:p>
             <a:r>
               <a:rPr lang="de-DE" dirty="0"/>
-              <a:t>Zeigen des geänderten Ablaufs</a:t>
-            </a:r>
-          </a:p>
-          <a:p>
-            <a:r>
-              <a:rPr lang="de-DE" dirty="0"/>
-              <a:t>Saga erklären</a:t>
-            </a:r>
-          </a:p>
-          <a:p>
-            <a:r>
-              <a:rPr lang="de-DE" dirty="0"/>
-              <a:t>Demo laufen lassen</a:t>
-            </a:r>
+              <a:t>Vorstellung</a:t>
+            </a:r>
+            <a:r>
+              <a:rPr lang="de-DE" baseline="0" dirty="0"/>
+              <a:t> Ablauf</a:t>
+            </a:r>
+          </a:p>
+          <a:p>
+            <a:r>
+              <a:rPr lang="de-DE" baseline="0" dirty="0"/>
+              <a:t>Ist mit MSQM und </a:t>
+            </a:r>
+            <a:r>
+              <a:rPr lang="de-DE" baseline="0" dirty="0" err="1"/>
+              <a:t>Shuttle.esb</a:t>
+            </a:r>
+            <a:r>
+              <a:rPr lang="de-DE" baseline="0" dirty="0"/>
+              <a:t> entwickelt</a:t>
+            </a:r>
+          </a:p>
+          <a:p>
+            <a:r>
+              <a:rPr lang="de-DE" baseline="0" dirty="0"/>
+              <a:t>Zeigen der lauffähigen Demo</a:t>
+            </a:r>
+          </a:p>
+          <a:p>
+            <a:endParaRPr lang="de-DE" baseline="0" dirty="0"/>
+          </a:p>
+          <a:p>
+            <a:r>
+              <a:rPr lang="de-DE" baseline="0" dirty="0"/>
+              <a:t>Schnelles durchgehen des Codes -&gt; Studio </a:t>
+            </a:r>
+            <a:r>
+              <a:rPr lang="de-DE" baseline="0" dirty="0" err="1"/>
+              <a:t>Presentation</a:t>
+            </a:r>
+            <a:r>
+              <a:rPr lang="de-DE" baseline="0" dirty="0"/>
+              <a:t> </a:t>
+            </a:r>
+            <a:r>
+              <a:rPr lang="de-DE" baseline="0" dirty="0" err="1"/>
+              <a:t>mode</a:t>
+            </a:r>
+            <a:endParaRPr lang="de-DE" baseline="0" dirty="0"/>
+          </a:p>
+          <a:p>
+            <a:endParaRPr lang="de-DE" baseline="0" dirty="0"/>
+          </a:p>
+          <a:p>
+            <a:r>
+              <a:rPr lang="de-DE" baseline="0" dirty="0"/>
+              <a:t>Zeigen von Rebus-Version</a:t>
+            </a:r>
+          </a:p>
+          <a:p>
+            <a:r>
+              <a:rPr lang="de-DE" baseline="0" dirty="0"/>
+              <a:t>Erklären vom Routing</a:t>
+            </a:r>
+            <a:endParaRPr lang="de-DE" dirty="0"/>
           </a:p>
         </p:txBody>
       </p:sp>
@@ -1643,7 +1672,7 @@
           <a:p>
             <a:fld id="{560CF8BB-EBC7-4B8F-9632-A5A136FBB880}" type="slidenum">
               <a:rPr lang="de-DE" smtClean="0"/>
-              <a:t>20</a:t>
+              <a:t>22</a:t>
             </a:fld>
             <a:endParaRPr lang="de-DE" dirty="0"/>
           </a:p>
@@ -1652,7 +1681,7 @@
     </p:spTree>
     <p:extLst>
       <p:ext uri="{BB962C8B-B14F-4D97-AF65-F5344CB8AC3E}">
-        <p14:creationId xmlns:p14="http://schemas.microsoft.com/office/powerpoint/2010/main" val="2632975141"/>
+        <p14:creationId xmlns:p14="http://schemas.microsoft.com/office/powerpoint/2010/main" val="875762598"/>
       </p:ext>
     </p:extLst>
   </p:cSld>
@@ -1708,69 +1737,20 @@
           <a:p>
             <a:r>
               <a:rPr lang="de-DE" dirty="0"/>
-              <a:t>Die UI setzt</a:t>
-            </a:r>
-            <a:r>
-              <a:rPr lang="de-DE" baseline="0" dirty="0"/>
-              <a:t> ein Befehl (Command ab).</a:t>
-            </a:r>
-          </a:p>
-          <a:p>
-            <a:r>
-              <a:rPr lang="de-DE" baseline="0" dirty="0"/>
-              <a:t>Der Command </a:t>
-            </a:r>
-            <a:r>
-              <a:rPr lang="de-DE" baseline="0" dirty="0" err="1"/>
-              <a:t>handler</a:t>
-            </a:r>
-            <a:r>
-              <a:rPr lang="de-DE" baseline="0" dirty="0"/>
-              <a:t> empfängt diesen Befehl und verarbeitet ihn. Nach der Verarbeitung wird ein Änderungs-Event gesendet („Ich habe Item X geändert“).</a:t>
-            </a:r>
-          </a:p>
-          <a:p>
-            <a:r>
-              <a:rPr lang="de-DE" baseline="0" dirty="0"/>
-              <a:t>Der Eventstore merkt sich dieses Event.</a:t>
-            </a:r>
-          </a:p>
-          <a:p>
-            <a:r>
-              <a:rPr lang="de-DE" baseline="0" dirty="0"/>
-              <a:t>Die Projektion erzeugt aus dem Event und dessen Informationen seine Read-Models. Jedes Einzelne Read </a:t>
-            </a:r>
-            <a:r>
-              <a:rPr lang="de-DE" baseline="0" dirty="0" err="1"/>
-              <a:t>model</a:t>
-            </a:r>
-            <a:r>
-              <a:rPr lang="de-DE" baseline="0" dirty="0"/>
-              <a:t> ist für ein bestimmte Abfrage optimiert.</a:t>
-            </a:r>
-          </a:p>
-          <a:p>
-            <a:r>
-              <a:rPr lang="de-DE" baseline="0" dirty="0"/>
-              <a:t>Über die Abfrage-</a:t>
-            </a:r>
-            <a:r>
-              <a:rPr lang="de-DE" baseline="0" dirty="0" err="1"/>
-              <a:t>Fassage</a:t>
-            </a:r>
-            <a:r>
-              <a:rPr lang="de-DE" baseline="0" dirty="0"/>
-              <a:t> (Webservice) werden </a:t>
-            </a:r>
-            <a:r>
-              <a:rPr lang="de-DE" baseline="0" dirty="0" err="1"/>
-              <a:t>daten</a:t>
-            </a:r>
-            <a:r>
-              <a:rPr lang="de-DE" baseline="0" dirty="0"/>
-              <a:t> für einen bestimmten Fall abgefragt.</a:t>
-            </a:r>
-            <a:endParaRPr lang="de-DE" dirty="0"/>
+              <a:t>Vorstellung Ablauf</a:t>
+            </a:r>
+          </a:p>
+          <a:p>
+            <a:r>
+              <a:rPr lang="de-DE" dirty="0"/>
+              <a:t>Mit Rebus und MSMQ erstellt</a:t>
+            </a:r>
+          </a:p>
+          <a:p>
+            <a:r>
+              <a:rPr lang="de-DE" dirty="0"/>
+              <a:t>Zeigen der Demo und des Codes</a:t>
+            </a:r>
           </a:p>
         </p:txBody>
       </p:sp>
@@ -1800,7 +1780,7 @@
     </p:spTree>
     <p:extLst>
       <p:ext uri="{BB962C8B-B14F-4D97-AF65-F5344CB8AC3E}">
-        <p14:creationId xmlns:p14="http://schemas.microsoft.com/office/powerpoint/2010/main" val="1810486830"/>
+        <p14:creationId xmlns:p14="http://schemas.microsoft.com/office/powerpoint/2010/main" val="3520852183"/>
       </p:ext>
     </p:extLst>
   </p:cSld>
@@ -1856,94 +1836,20 @@
           <a:p>
             <a:r>
               <a:rPr lang="de-DE" dirty="0"/>
-              <a:t>Erklärung </a:t>
-            </a:r>
-            <a:r>
-              <a:rPr lang="de-DE" dirty="0" err="1"/>
-              <a:t>ablauf</a:t>
-            </a:r>
+              <a:t>Zeigen des geänderten Ablaufs</a:t>
+            </a:r>
+          </a:p>
+          <a:p>
             <a:r>
               <a:rPr lang="de-DE" dirty="0"/>
-              <a:t> -&gt; </a:t>
-            </a:r>
-            <a:r>
-              <a:rPr lang="de-DE" dirty="0" err="1"/>
-              <a:t>animation</a:t>
-            </a:r>
-            <a:endParaRPr lang="de-DE" dirty="0"/>
+              <a:t>Saga erklären</a:t>
+            </a:r>
           </a:p>
           <a:p>
             <a:r>
               <a:rPr lang="de-DE" dirty="0"/>
-              <a:t>Code zeigen</a:t>
-            </a:r>
-          </a:p>
-          <a:p>
-            <a:r>
-              <a:rPr lang="de-DE" dirty="0"/>
-              <a:t>Demo zeigen</a:t>
-            </a:r>
-          </a:p>
-          <a:p>
-            <a:r>
-              <a:rPr lang="de-DE" dirty="0"/>
-              <a:t>Payment</a:t>
-            </a:r>
-            <a:r>
-              <a:rPr lang="de-DE" baseline="0" dirty="0"/>
-              <a:t> </a:t>
-            </a:r>
-            <a:r>
-              <a:rPr lang="de-DE" baseline="0" dirty="0" err="1"/>
-              <a:t>service</a:t>
-            </a:r>
-            <a:r>
-              <a:rPr lang="de-DE" baseline="0" dirty="0"/>
-              <a:t> schließen, </a:t>
-            </a:r>
-            <a:r>
-              <a:rPr lang="de-DE" baseline="0" dirty="0" err="1"/>
-              <a:t>orders</a:t>
-            </a:r>
-            <a:r>
-              <a:rPr lang="de-DE" baseline="0" dirty="0"/>
-              <a:t> erstellen, </a:t>
-            </a:r>
-            <a:r>
-              <a:rPr lang="de-DE" baseline="0" dirty="0" err="1"/>
-              <a:t>paymentservice</a:t>
-            </a:r>
-            <a:r>
-              <a:rPr lang="de-DE" baseline="0" dirty="0"/>
-              <a:t> wieder öffnen</a:t>
-            </a:r>
-          </a:p>
-          <a:p>
-            <a:r>
-              <a:rPr lang="de-DE" baseline="0" dirty="0" err="1"/>
-              <a:t>Mehrer</a:t>
-            </a:r>
-            <a:r>
-              <a:rPr lang="de-DE" baseline="0" dirty="0"/>
-              <a:t> </a:t>
-            </a:r>
-            <a:r>
-              <a:rPr lang="de-DE" baseline="0" dirty="0" err="1"/>
-              <a:t>payment</a:t>
-            </a:r>
-            <a:r>
-              <a:rPr lang="de-DE" baseline="0" dirty="0"/>
-              <a:t> </a:t>
-            </a:r>
-            <a:r>
-              <a:rPr lang="de-DE" baseline="0" dirty="0" err="1"/>
-              <a:t>services</a:t>
-            </a:r>
-            <a:r>
-              <a:rPr lang="de-DE" baseline="0" dirty="0"/>
-              <a:t> Öffnen.</a:t>
-            </a:r>
-            <a:endParaRPr lang="de-DE" dirty="0"/>
+              <a:t>Demo laufen lassen</a:t>
+            </a:r>
           </a:p>
         </p:txBody>
       </p:sp>
@@ -1964,7 +1870,328 @@
           <a:p>
             <a:fld id="{560CF8BB-EBC7-4B8F-9632-A5A136FBB880}" type="slidenum">
               <a:rPr lang="de-DE" smtClean="0"/>
-              <a:t>25</a:t>
+              <a:t>24</a:t>
+            </a:fld>
+            <a:endParaRPr lang="de-DE" dirty="0"/>
+          </a:p>
+        </p:txBody>
+      </p:sp>
+    </p:spTree>
+    <p:extLst>
+      <p:ext uri="{BB962C8B-B14F-4D97-AF65-F5344CB8AC3E}">
+        <p14:creationId xmlns:p14="http://schemas.microsoft.com/office/powerpoint/2010/main" val="2632975141"/>
+      </p:ext>
+    </p:extLst>
+  </p:cSld>
+  <p:clrMapOvr>
+    <a:masterClrMapping/>
+  </p:clrMapOvr>
+</p:notes>
+</file>
+
+<file path=ppt/notesSlides/notesSlide14.xml><?xml version="1.0" encoding="utf-8"?>
+<p:notes xmlns:a="http://schemas.openxmlformats.org/drawingml/2006/main" xmlns:r="http://schemas.openxmlformats.org/officeDocument/2006/relationships" xmlns:p="http://schemas.openxmlformats.org/presentationml/2006/main">
+  <p:cSld>
+    <p:spTree>
+      <p:nvGrpSpPr>
+        <p:cNvPr id="1" name=""/>
+        <p:cNvGrpSpPr/>
+        <p:nvPr/>
+      </p:nvGrpSpPr>
+      <p:grpSpPr>
+        <a:xfrm>
+          <a:off x="0" y="0"/>
+          <a:ext cx="0" cy="0"/>
+          <a:chOff x="0" y="0"/>
+          <a:chExt cx="0" cy="0"/>
+        </a:xfrm>
+      </p:grpSpPr>
+      <p:sp>
+        <p:nvSpPr>
+          <p:cNvPr id="2" name="Folienbildplatzhalter 1"/>
+          <p:cNvSpPr>
+            <a:spLocks noGrp="1" noRot="1" noChangeAspect="1"/>
+          </p:cNvSpPr>
+          <p:nvPr>
+            <p:ph type="sldImg"/>
+          </p:nvPr>
+        </p:nvSpPr>
+        <p:spPr/>
+      </p:sp>
+      <p:sp>
+        <p:nvSpPr>
+          <p:cNvPr id="3" name="Notizenplatzhalter 2"/>
+          <p:cNvSpPr>
+            <a:spLocks noGrp="1"/>
+          </p:cNvSpPr>
+          <p:nvPr>
+            <p:ph type="body" idx="1"/>
+          </p:nvPr>
+        </p:nvSpPr>
+        <p:spPr/>
+        <p:txBody>
+          <a:bodyPr/>
+          <a:lstStyle/>
+          <a:p>
+            <a:r>
+              <a:rPr lang="de-DE" dirty="0"/>
+              <a:t>Die UI setzt</a:t>
+            </a:r>
+            <a:r>
+              <a:rPr lang="de-DE" baseline="0" dirty="0"/>
+              <a:t> ein Befehl (Command ab).</a:t>
+            </a:r>
+          </a:p>
+          <a:p>
+            <a:r>
+              <a:rPr lang="de-DE" baseline="0" dirty="0"/>
+              <a:t>Der Command </a:t>
+            </a:r>
+            <a:r>
+              <a:rPr lang="de-DE" baseline="0" dirty="0" err="1"/>
+              <a:t>handler</a:t>
+            </a:r>
+            <a:r>
+              <a:rPr lang="de-DE" baseline="0" dirty="0"/>
+              <a:t> empfängt diesen Befehl und verarbeitet ihn. Nach der Verarbeitung wird ein Änderungs-Event gesendet („Ich habe Item X geändert“).</a:t>
+            </a:r>
+          </a:p>
+          <a:p>
+            <a:r>
+              <a:rPr lang="de-DE" baseline="0" dirty="0"/>
+              <a:t>Der Eventstore merkt sich dieses Event.</a:t>
+            </a:r>
+          </a:p>
+          <a:p>
+            <a:r>
+              <a:rPr lang="de-DE" baseline="0" dirty="0"/>
+              <a:t>Die Projektion erzeugt aus dem Event und dessen Informationen seine Read-Models. Jedes Einzelne Read </a:t>
+            </a:r>
+            <a:r>
+              <a:rPr lang="de-DE" baseline="0" dirty="0" err="1"/>
+              <a:t>model</a:t>
+            </a:r>
+            <a:r>
+              <a:rPr lang="de-DE" baseline="0" dirty="0"/>
+              <a:t> ist für ein bestimmte Abfrage optimiert.</a:t>
+            </a:r>
+          </a:p>
+          <a:p>
+            <a:r>
+              <a:rPr lang="de-DE" baseline="0" dirty="0"/>
+              <a:t>Über die Abfrage-</a:t>
+            </a:r>
+            <a:r>
+              <a:rPr lang="de-DE" baseline="0" dirty="0" err="1"/>
+              <a:t>Fassage</a:t>
+            </a:r>
+            <a:r>
+              <a:rPr lang="de-DE" baseline="0" dirty="0"/>
+              <a:t> (Webservice) werden </a:t>
+            </a:r>
+            <a:r>
+              <a:rPr lang="de-DE" baseline="0" dirty="0" err="1"/>
+              <a:t>daten</a:t>
+            </a:r>
+            <a:r>
+              <a:rPr lang="de-DE" baseline="0" dirty="0"/>
+              <a:t> für einen bestimmten Fall abgefragt.</a:t>
+            </a:r>
+            <a:endParaRPr lang="de-DE" dirty="0"/>
+          </a:p>
+        </p:txBody>
+      </p:sp>
+      <p:sp>
+        <p:nvSpPr>
+          <p:cNvPr id="4" name="Foliennummernplatzhalter 3"/>
+          <p:cNvSpPr>
+            <a:spLocks noGrp="1"/>
+          </p:cNvSpPr>
+          <p:nvPr>
+            <p:ph type="sldNum" sz="quarter" idx="10"/>
+          </p:nvPr>
+        </p:nvSpPr>
+        <p:spPr/>
+        <p:txBody>
+          <a:bodyPr/>
+          <a:lstStyle/>
+          <a:p>
+            <a:fld id="{560CF8BB-EBC7-4B8F-9632-A5A136FBB880}" type="slidenum">
+              <a:rPr lang="de-DE" smtClean="0"/>
+              <a:t>27</a:t>
+            </a:fld>
+            <a:endParaRPr lang="de-DE" dirty="0"/>
+          </a:p>
+        </p:txBody>
+      </p:sp>
+    </p:spTree>
+    <p:extLst>
+      <p:ext uri="{BB962C8B-B14F-4D97-AF65-F5344CB8AC3E}">
+        <p14:creationId xmlns:p14="http://schemas.microsoft.com/office/powerpoint/2010/main" val="1810486830"/>
+      </p:ext>
+    </p:extLst>
+  </p:cSld>
+  <p:clrMapOvr>
+    <a:masterClrMapping/>
+  </p:clrMapOvr>
+</p:notes>
+</file>
+
+<file path=ppt/notesSlides/notesSlide15.xml><?xml version="1.0" encoding="utf-8"?>
+<p:notes xmlns:a="http://schemas.openxmlformats.org/drawingml/2006/main" xmlns:r="http://schemas.openxmlformats.org/officeDocument/2006/relationships" xmlns:p="http://schemas.openxmlformats.org/presentationml/2006/main">
+  <p:cSld>
+    <p:spTree>
+      <p:nvGrpSpPr>
+        <p:cNvPr id="1" name=""/>
+        <p:cNvGrpSpPr/>
+        <p:nvPr/>
+      </p:nvGrpSpPr>
+      <p:grpSpPr>
+        <a:xfrm>
+          <a:off x="0" y="0"/>
+          <a:ext cx="0" cy="0"/>
+          <a:chOff x="0" y="0"/>
+          <a:chExt cx="0" cy="0"/>
+        </a:xfrm>
+      </p:grpSpPr>
+      <p:sp>
+        <p:nvSpPr>
+          <p:cNvPr id="2" name="Folienbildplatzhalter 1"/>
+          <p:cNvSpPr>
+            <a:spLocks noGrp="1" noRot="1" noChangeAspect="1"/>
+          </p:cNvSpPr>
+          <p:nvPr>
+            <p:ph type="sldImg"/>
+          </p:nvPr>
+        </p:nvSpPr>
+        <p:spPr/>
+      </p:sp>
+      <p:sp>
+        <p:nvSpPr>
+          <p:cNvPr id="3" name="Notizenplatzhalter 2"/>
+          <p:cNvSpPr>
+            <a:spLocks noGrp="1"/>
+          </p:cNvSpPr>
+          <p:nvPr>
+            <p:ph type="body" idx="1"/>
+          </p:nvPr>
+        </p:nvSpPr>
+        <p:spPr/>
+        <p:txBody>
+          <a:bodyPr/>
+          <a:lstStyle/>
+          <a:p>
+            <a:r>
+              <a:rPr lang="de-DE" dirty="0"/>
+              <a:t>Erklärung </a:t>
+            </a:r>
+            <a:r>
+              <a:rPr lang="de-DE" dirty="0" err="1"/>
+              <a:t>ablauf</a:t>
+            </a:r>
+            <a:r>
+              <a:rPr lang="de-DE" dirty="0"/>
+              <a:t> -&gt; </a:t>
+            </a:r>
+            <a:r>
+              <a:rPr lang="de-DE" dirty="0" err="1"/>
+              <a:t>animation</a:t>
+            </a:r>
+            <a:endParaRPr lang="de-DE" dirty="0"/>
+          </a:p>
+          <a:p>
+            <a:r>
+              <a:rPr lang="de-DE" dirty="0"/>
+              <a:t>Code zeigen</a:t>
+            </a:r>
+          </a:p>
+          <a:p>
+            <a:r>
+              <a:rPr lang="de-DE" dirty="0"/>
+              <a:t>Demo zeigen</a:t>
+            </a:r>
+          </a:p>
+          <a:p>
+            <a:r>
+              <a:rPr lang="de-DE" dirty="0"/>
+              <a:t>Payment</a:t>
+            </a:r>
+            <a:r>
+              <a:rPr lang="de-DE" baseline="0" dirty="0"/>
+              <a:t> </a:t>
+            </a:r>
+            <a:r>
+              <a:rPr lang="de-DE" baseline="0" dirty="0" err="1"/>
+              <a:t>service</a:t>
+            </a:r>
+            <a:r>
+              <a:rPr lang="de-DE" baseline="0" dirty="0"/>
+              <a:t> schließen, </a:t>
+            </a:r>
+            <a:r>
+              <a:rPr lang="de-DE" baseline="0" dirty="0" err="1"/>
+              <a:t>orders</a:t>
+            </a:r>
+            <a:r>
+              <a:rPr lang="de-DE" baseline="0" dirty="0"/>
+              <a:t> erstellen, </a:t>
+            </a:r>
+            <a:r>
+              <a:rPr lang="de-DE" baseline="0" dirty="0" err="1"/>
+              <a:t>paymentservice</a:t>
+            </a:r>
+            <a:r>
+              <a:rPr lang="de-DE" baseline="0" dirty="0"/>
+              <a:t> wieder öffnen</a:t>
+            </a:r>
+          </a:p>
+          <a:p>
+            <a:r>
+              <a:rPr lang="de-DE" baseline="0" dirty="0" err="1"/>
+              <a:t>Mehrer</a:t>
+            </a:r>
+            <a:r>
+              <a:rPr lang="de-DE" baseline="0" dirty="0"/>
+              <a:t> </a:t>
+            </a:r>
+            <a:r>
+              <a:rPr lang="de-DE" baseline="0" dirty="0" err="1"/>
+              <a:t>payment</a:t>
+            </a:r>
+            <a:r>
+              <a:rPr lang="de-DE" baseline="0" dirty="0"/>
+              <a:t> </a:t>
+            </a:r>
+            <a:r>
+              <a:rPr lang="de-DE" baseline="0" dirty="0" err="1"/>
+              <a:t>services</a:t>
+            </a:r>
+            <a:r>
+              <a:rPr lang="de-DE" baseline="0" dirty="0"/>
+              <a:t> Öffnen.</a:t>
+            </a:r>
+            <a:endParaRPr lang="de-DE" dirty="0"/>
+          </a:p>
+        </p:txBody>
+      </p:sp>
+      <p:sp>
+        <p:nvSpPr>
+          <p:cNvPr id="4" name="Foliennummernplatzhalter 3"/>
+          <p:cNvSpPr>
+            <a:spLocks noGrp="1"/>
+          </p:cNvSpPr>
+          <p:nvPr>
+            <p:ph type="sldNum" sz="quarter" idx="10"/>
+          </p:nvPr>
+        </p:nvSpPr>
+        <p:spPr/>
+        <p:txBody>
+          <a:bodyPr/>
+          <a:lstStyle/>
+          <a:p>
+            <a:fld id="{560CF8BB-EBC7-4B8F-9632-A5A136FBB880}" type="slidenum">
+              <a:rPr lang="de-DE" smtClean="0"/>
+              <a:t>29</a:t>
             </a:fld>
             <a:endParaRPr lang="de-DE" dirty="0"/>
           </a:p>
@@ -2048,7 +2275,7 @@
           <a:p>
             <a:fld id="{560CF8BB-EBC7-4B8F-9632-A5A136FBB880}" type="slidenum">
               <a:rPr lang="de-DE" smtClean="0"/>
-              <a:t>3</a:t>
+              <a:t>4</a:t>
             </a:fld>
             <a:endParaRPr lang="de-DE" dirty="0"/>
           </a:p>
@@ -2202,7 +2429,7 @@
           <a:p>
             <a:fld id="{560CF8BB-EBC7-4B8F-9632-A5A136FBB880}" type="slidenum">
               <a:rPr lang="de-DE" smtClean="0"/>
-              <a:t>4</a:t>
+              <a:t>5</a:t>
             </a:fld>
             <a:endParaRPr lang="de-DE" dirty="0"/>
           </a:p>
@@ -2300,7 +2527,7 @@
           <a:p>
             <a:fld id="{560CF8BB-EBC7-4B8F-9632-A5A136FBB880}" type="slidenum">
               <a:rPr lang="de-DE" smtClean="0"/>
-              <a:t>5</a:t>
+              <a:t>6</a:t>
             </a:fld>
             <a:endParaRPr lang="de-DE" dirty="0"/>
           </a:p>
@@ -2434,7 +2661,7 @@
           <a:p>
             <a:fld id="{560CF8BB-EBC7-4B8F-9632-A5A136FBB880}" type="slidenum">
               <a:rPr lang="de-DE" smtClean="0"/>
-              <a:t>6</a:t>
+              <a:t>7</a:t>
             </a:fld>
             <a:endParaRPr lang="de-DE" dirty="0"/>
           </a:p>
@@ -2526,7 +2753,7 @@
           <a:p>
             <a:fld id="{560CF8BB-EBC7-4B8F-9632-A5A136FBB880}" type="slidenum">
               <a:rPr lang="de-DE" smtClean="0"/>
-              <a:t>8</a:t>
+              <a:t>9</a:t>
             </a:fld>
             <a:endParaRPr lang="de-DE" dirty="0"/>
           </a:p>
@@ -2589,14 +2816,6 @@
           <a:bodyPr/>
           <a:lstStyle/>
           <a:p>
-            <a:r>
-              <a:rPr lang="de-DE" dirty="0"/>
-              <a:t>Achtung: Wenn wir Empfänger sagen</a:t>
-            </a:r>
-            <a:r>
-              <a:rPr lang="de-DE" baseline="0" dirty="0"/>
-              <a:t> meinen wir Queues, nicht Applikationen</a:t>
-            </a:r>
             <a:endParaRPr lang="de-DE" dirty="0"/>
           </a:p>
         </p:txBody>
@@ -2618,7 +2837,7 @@
           <a:p>
             <a:fld id="{560CF8BB-EBC7-4B8F-9632-A5A136FBB880}" type="slidenum">
               <a:rPr lang="de-DE" smtClean="0"/>
-              <a:t>9</a:t>
+              <a:t>10</a:t>
             </a:fld>
             <a:endParaRPr lang="de-DE" dirty="0"/>
           </a:p>
@@ -2806,68 +3025,81 @@
           <a:p>
             <a:r>
               <a:rPr lang="de-DE" dirty="0"/>
-              <a:t>Vorstellung</a:t>
+              <a:t>Vereinheitlichen Zugriff auf ein </a:t>
+            </a:r>
+            <a:r>
+              <a:rPr lang="de-DE" dirty="0" err="1"/>
+              <a:t>MessageBus</a:t>
+            </a:r>
+            <a:endParaRPr lang="de-DE" dirty="0"/>
+          </a:p>
+          <a:p>
+            <a:r>
+              <a:rPr lang="de-DE" dirty="0"/>
+              <a:t> - Message Bus</a:t>
             </a:r>
             <a:r>
               <a:rPr lang="de-DE" baseline="0" dirty="0"/>
-              <a:t> Ablauf</a:t>
+              <a:t> ist konfigurierbar</a:t>
             </a:r>
           </a:p>
           <a:p>
             <a:r>
               <a:rPr lang="de-DE" baseline="0" dirty="0"/>
-              <a:t>Ist mit MSQM und </a:t>
+              <a:t> - Erledigen den Zugriff</a:t>
+            </a:r>
+          </a:p>
+          <a:p>
+            <a:r>
+              <a:rPr lang="de-DE" baseline="0" dirty="0"/>
+              <a:t> - </a:t>
             </a:r>
             <a:r>
               <a:rPr lang="de-DE" baseline="0" dirty="0" err="1"/>
-              <a:t>Shuttle.esb</a:t>
-            </a:r>
+              <a:t>Serialisierung</a:t>
+            </a:r>
+            <a:endParaRPr lang="de-DE" baseline="0" dirty="0"/>
+          </a:p>
+          <a:p>
             <a:r>
               <a:rPr lang="de-DE" baseline="0" dirty="0"/>
-              <a:t> entwickelt</a:t>
+              <a:t> - Rufen bei neuen Nachrichten die Handler auf</a:t>
             </a:r>
           </a:p>
           <a:p>
             <a:r>
               <a:rPr lang="de-DE" baseline="0" dirty="0"/>
-              <a:t>Zeigen der lauffähigen Demo</a:t>
-            </a:r>
-          </a:p>
-          <a:p>
-            <a:endParaRPr lang="de-DE" baseline="0" dirty="0"/>
+              <a:t> - Füllen fehlende Features auf (z.b. natives Pub/Sub bei SQL Server)</a:t>
+            </a:r>
           </a:p>
           <a:p>
             <a:r>
               <a:rPr lang="de-DE" baseline="0" dirty="0"/>
-              <a:t>Schnelles durchgehen des Codes -&gt; Studio </a:t>
+              <a:t> - </a:t>
             </a:r>
             <a:r>
               <a:rPr lang="de-DE" baseline="0" dirty="0" err="1"/>
-              <a:t>Presentation</a:t>
+              <a:t>Exception</a:t>
             </a:r>
             <a:r>
               <a:rPr lang="de-DE" baseline="0" dirty="0"/>
-              <a:t> </a:t>
+              <a:t> Handling</a:t>
+            </a:r>
+          </a:p>
+          <a:p>
+            <a:r>
+              <a:rPr lang="de-DE" baseline="0" dirty="0"/>
+              <a:t> - Routing</a:t>
+            </a:r>
+          </a:p>
+          <a:p>
+            <a:r>
+              <a:rPr lang="de-DE" baseline="0" dirty="0"/>
+              <a:t> - </a:t>
             </a:r>
             <a:r>
               <a:rPr lang="de-DE" baseline="0" dirty="0" err="1"/>
-              <a:t>mode</a:t>
-            </a:r>
-            <a:endParaRPr lang="de-DE" baseline="0" dirty="0"/>
-          </a:p>
-          <a:p>
-            <a:endParaRPr lang="de-DE" baseline="0" dirty="0"/>
-          </a:p>
-          <a:p>
-            <a:r>
-              <a:rPr lang="de-DE" baseline="0" dirty="0"/>
-              <a:t>Zeigen von Rebus-Version</a:t>
-            </a:r>
-          </a:p>
-          <a:p>
-            <a:r>
-              <a:rPr lang="de-DE" baseline="0" dirty="0"/>
-              <a:t>Erklären vom Routing</a:t>
+              <a:t>uvm</a:t>
             </a:r>
             <a:endParaRPr lang="de-DE" dirty="0"/>
           </a:p>
@@ -2890,7 +3122,7 @@
           <a:p>
             <a:fld id="{560CF8BB-EBC7-4B8F-9632-A5A136FBB880}" type="slidenum">
               <a:rPr lang="de-DE" smtClean="0"/>
-              <a:t>18</a:t>
+              <a:t>19</a:t>
             </a:fld>
             <a:endParaRPr lang="de-DE" dirty="0"/>
           </a:p>
@@ -2899,7 +3131,7 @@
     </p:spTree>
     <p:extLst>
       <p:ext uri="{BB962C8B-B14F-4D97-AF65-F5344CB8AC3E}">
-        <p14:creationId xmlns:p14="http://schemas.microsoft.com/office/powerpoint/2010/main" val="875762598"/>
+        <p14:creationId xmlns:p14="http://schemas.microsoft.com/office/powerpoint/2010/main" val="2715884539"/>
       </p:ext>
     </p:extLst>
   </p:cSld>
@@ -6076,6 +6308,163 @@
           <a:p>
             <a:r>
               <a:rPr lang="de-DE" dirty="0"/>
+              <a:t>Was ist ein </a:t>
+            </a:r>
+            <a:r>
+              <a:rPr lang="de-DE" dirty="0" err="1"/>
+              <a:t>message</a:t>
+            </a:r>
+            <a:r>
+              <a:rPr lang="de-DE" dirty="0"/>
+              <a:t> Bus</a:t>
+            </a:r>
+          </a:p>
+        </p:txBody>
+      </p:sp>
+      <p:sp>
+        <p:nvSpPr>
+          <p:cNvPr id="3" name="Inhaltsplatzhalter 2"/>
+          <p:cNvSpPr>
+            <a:spLocks noGrp="1"/>
+          </p:cNvSpPr>
+          <p:nvPr>
+            <p:ph idx="1"/>
+          </p:nvPr>
+        </p:nvSpPr>
+        <p:spPr/>
+        <p:txBody>
+          <a:bodyPr/>
+          <a:lstStyle/>
+          <a:p>
+            <a:pPr marL="0" indent="0">
+              <a:buNone/>
+            </a:pPr>
+            <a:r>
+              <a:rPr lang="de-DE" dirty="0"/>
+              <a:t>Transportsysteme:</a:t>
+            </a:r>
+          </a:p>
+          <a:p>
+            <a:r>
+              <a:rPr lang="de-DE" dirty="0"/>
+              <a:t>Broker</a:t>
+            </a:r>
+          </a:p>
+          <a:p>
+            <a:pPr lvl="1"/>
+            <a:r>
+              <a:rPr lang="de-DE" dirty="0"/>
+              <a:t>Zentral</a:t>
+            </a:r>
+          </a:p>
+          <a:p>
+            <a:pPr lvl="1"/>
+            <a:r>
+              <a:rPr lang="de-DE" dirty="0"/>
+              <a:t>Stellt Queues bereit</a:t>
+            </a:r>
+          </a:p>
+          <a:p>
+            <a:pPr lvl="1"/>
+            <a:endParaRPr lang="de-DE" dirty="0"/>
+          </a:p>
+          <a:p>
+            <a:r>
+              <a:rPr lang="de-DE" dirty="0"/>
+              <a:t>Bus (Store-</a:t>
+            </a:r>
+            <a:r>
+              <a:rPr lang="de-DE" dirty="0" err="1"/>
+              <a:t>And</a:t>
+            </a:r>
+            <a:r>
+              <a:rPr lang="de-DE" dirty="0"/>
+              <a:t>-Forward)</a:t>
+            </a:r>
+          </a:p>
+          <a:p>
+            <a:pPr lvl="1"/>
+            <a:r>
+              <a:rPr lang="de-DE" dirty="0"/>
+              <a:t>Verteilt</a:t>
+            </a:r>
+          </a:p>
+          <a:p>
+            <a:pPr lvl="1"/>
+            <a:r>
+              <a:rPr lang="de-DE" dirty="0"/>
+              <a:t>Jede Maschine/</a:t>
+            </a:r>
+            <a:r>
+              <a:rPr lang="de-DE" dirty="0" err="1"/>
+              <a:t>Node</a:t>
+            </a:r>
+            <a:r>
+              <a:rPr lang="de-DE" dirty="0"/>
+              <a:t> hat ihre eigenen Queues</a:t>
+            </a:r>
+          </a:p>
+        </p:txBody>
+      </p:sp>
+    </p:spTree>
+    <p:extLst>
+      <p:ext uri="{BB962C8B-B14F-4D97-AF65-F5344CB8AC3E}">
+        <p14:creationId xmlns:p14="http://schemas.microsoft.com/office/powerpoint/2010/main" val="1266595489"/>
+      </p:ext>
+    </p:extLst>
+  </p:cSld>
+  <p:clrMapOvr>
+    <a:masterClrMapping/>
+  </p:clrMapOvr>
+  <mc:AlternateContent xmlns:mc="http://schemas.openxmlformats.org/markup-compatibility/2006" xmlns:p14="http://schemas.microsoft.com/office/powerpoint/2010/main">
+    <mc:Choice Requires="p14">
+      <p:transition spd="med" p14:dur="700">
+        <p:fade/>
+      </p:transition>
+    </mc:Choice>
+    <mc:Fallback xmlns="">
+      <p:transition spd="med">
+        <p:fade/>
+      </p:transition>
+    </mc:Fallback>
+  </mc:AlternateContent>
+</p:sld>
+</file>
+
+<file path=ppt/slides/slide11.xml><?xml version="1.0" encoding="utf-8"?>
+<p:sld xmlns:a="http://schemas.openxmlformats.org/drawingml/2006/main" xmlns:r="http://schemas.openxmlformats.org/officeDocument/2006/relationships" xmlns:p="http://schemas.openxmlformats.org/presentationml/2006/main">
+  <p:cSld>
+    <p:spTree>
+      <p:nvGrpSpPr>
+        <p:cNvPr id="1" name=""/>
+        <p:cNvGrpSpPr/>
+        <p:nvPr/>
+      </p:nvGrpSpPr>
+      <p:grpSpPr>
+        <a:xfrm>
+          <a:off x="0" y="0"/>
+          <a:ext cx="0" cy="0"/>
+          <a:chOff x="0" y="0"/>
+          <a:chExt cx="0" cy="0"/>
+        </a:xfrm>
+      </p:grpSpPr>
+      <p:sp>
+        <p:nvSpPr>
+          <p:cNvPr id="2" name="Titel 1"/>
+          <p:cNvSpPr>
+            <a:spLocks noGrp="1"/>
+          </p:cNvSpPr>
+          <p:nvPr>
+            <p:ph type="title"/>
+          </p:nvPr>
+        </p:nvSpPr>
+        <p:spPr/>
+        <p:txBody>
+          <a:bodyPr/>
+          <a:lstStyle/>
+          <a:p>
+            <a:r>
+              <a:rPr lang="de-DE" dirty="0"/>
               <a:t>Allgemeines Modell</a:t>
             </a:r>
           </a:p>
@@ -6449,7 +6838,7 @@
 </p:sld>
 </file>
 
-<file path=ppt/slides/slide11.xml><?xml version="1.0" encoding="utf-8"?>
+<file path=ppt/slides/slide12.xml><?xml version="1.0" encoding="utf-8"?>
 <p:sld xmlns:a="http://schemas.openxmlformats.org/drawingml/2006/main" xmlns:r="http://schemas.openxmlformats.org/officeDocument/2006/relationships" xmlns:p="http://schemas.openxmlformats.org/presentationml/2006/main">
   <p:cSld>
     <p:spTree>
@@ -7341,7 +7730,7 @@
 </p:sld>
 </file>
 
-<file path=ppt/slides/slide12.xml><?xml version="1.0" encoding="utf-8"?>
+<file path=ppt/slides/slide13.xml><?xml version="1.0" encoding="utf-8"?>
 <p:sld xmlns:a="http://schemas.openxmlformats.org/drawingml/2006/main" xmlns:r="http://schemas.openxmlformats.org/officeDocument/2006/relationships" xmlns:p="http://schemas.openxmlformats.org/presentationml/2006/main">
   <p:cSld>
     <p:spTree>
@@ -7752,162 +8141,6 @@
 </p:sld>
 </file>
 
-<file path=ppt/slides/slide13.xml><?xml version="1.0" encoding="utf-8"?>
-<p:sld xmlns:a="http://schemas.openxmlformats.org/drawingml/2006/main" xmlns:r="http://schemas.openxmlformats.org/officeDocument/2006/relationships" xmlns:p="http://schemas.openxmlformats.org/presentationml/2006/main">
-  <p:cSld>
-    <p:spTree>
-      <p:nvGrpSpPr>
-        <p:cNvPr id="1" name=""/>
-        <p:cNvGrpSpPr/>
-        <p:nvPr/>
-      </p:nvGrpSpPr>
-      <p:grpSpPr>
-        <a:xfrm>
-          <a:off x="0" y="0"/>
-          <a:ext cx="0" cy="0"/>
-          <a:chOff x="0" y="0"/>
-          <a:chExt cx="0" cy="0"/>
-        </a:xfrm>
-      </p:grpSpPr>
-      <p:sp>
-        <p:nvSpPr>
-          <p:cNvPr id="2" name="Titel 1"/>
-          <p:cNvSpPr>
-            <a:spLocks noGrp="1"/>
-          </p:cNvSpPr>
-          <p:nvPr>
-            <p:ph type="title"/>
-          </p:nvPr>
-        </p:nvSpPr>
-        <p:spPr/>
-        <p:txBody>
-          <a:bodyPr/>
-          <a:lstStyle/>
-          <a:p>
-            <a:r>
-              <a:rPr lang="de-DE" dirty="0"/>
-              <a:t>Produkte</a:t>
-            </a:r>
-          </a:p>
-        </p:txBody>
-      </p:sp>
-      <p:sp>
-        <p:nvSpPr>
-          <p:cNvPr id="3" name="Inhaltsplatzhalter 2"/>
-          <p:cNvSpPr>
-            <a:spLocks noGrp="1"/>
-          </p:cNvSpPr>
-          <p:nvPr>
-            <p:ph idx="1"/>
-          </p:nvPr>
-        </p:nvSpPr>
-        <p:spPr/>
-        <p:txBody>
-          <a:bodyPr/>
-          <a:lstStyle/>
-          <a:p>
-            <a:r>
-              <a:rPr lang="de-DE" dirty="0" err="1"/>
-              <a:t>NServiceBus</a:t>
-            </a:r>
-            <a:endParaRPr lang="de-DE" dirty="0"/>
-          </a:p>
-          <a:p>
-            <a:r>
-              <a:rPr lang="de-DE" dirty="0" err="1"/>
-              <a:t>Masstransit</a:t>
-            </a:r>
-            <a:endParaRPr lang="de-DE" dirty="0"/>
-          </a:p>
-          <a:p>
-            <a:r>
-              <a:rPr lang="de-DE" dirty="0" err="1"/>
-              <a:t>Shuttle.esb</a:t>
-            </a:r>
-            <a:endParaRPr lang="de-DE" dirty="0"/>
-          </a:p>
-          <a:p>
-            <a:r>
-              <a:rPr lang="de-DE" dirty="0"/>
-              <a:t>Rebus</a:t>
-            </a:r>
-          </a:p>
-          <a:p>
-            <a:r>
-              <a:rPr lang="de-DE" dirty="0"/>
-              <a:t>Transport-Systeme</a:t>
-            </a:r>
-          </a:p>
-          <a:p>
-            <a:pPr lvl="1"/>
-            <a:r>
-              <a:rPr lang="de-DE" dirty="0" err="1"/>
-              <a:t>Azure</a:t>
-            </a:r>
-            <a:r>
-              <a:rPr lang="de-DE" dirty="0"/>
-              <a:t>-Servicebus</a:t>
-            </a:r>
-          </a:p>
-          <a:p>
-            <a:pPr lvl="1"/>
-            <a:r>
-              <a:rPr lang="de-DE" dirty="0" err="1"/>
-              <a:t>RabbitMQ</a:t>
-            </a:r>
-            <a:r>
-              <a:rPr lang="de-DE" dirty="0"/>
-              <a:t>/</a:t>
-            </a:r>
-            <a:r>
-              <a:rPr lang="de-DE" dirty="0" err="1"/>
-              <a:t>ActiveMQ</a:t>
-            </a:r>
-            <a:endParaRPr lang="de-DE" dirty="0"/>
-          </a:p>
-          <a:p>
-            <a:pPr lvl="1"/>
-            <a:r>
-              <a:rPr lang="de-DE" dirty="0"/>
-              <a:t>MSMQ</a:t>
-            </a:r>
-          </a:p>
-          <a:p>
-            <a:pPr lvl="1"/>
-            <a:r>
-              <a:rPr lang="de-DE" dirty="0"/>
-              <a:t>…</a:t>
-            </a:r>
-          </a:p>
-          <a:p>
-            <a:endParaRPr lang="de-DE" dirty="0"/>
-          </a:p>
-          <a:p>
-            <a:endParaRPr lang="de-DE" dirty="0"/>
-          </a:p>
-        </p:txBody>
-      </p:sp>
-    </p:spTree>
-    <p:extLst>
-      <p:ext uri="{BB962C8B-B14F-4D97-AF65-F5344CB8AC3E}">
-        <p14:creationId xmlns:p14="http://schemas.microsoft.com/office/powerpoint/2010/main" val="2222650189"/>
-      </p:ext>
-    </p:extLst>
-  </p:cSld>
-  <p:clrMapOvr>
-    <a:masterClrMapping/>
-  </p:clrMapOvr>
-  <mc:AlternateContent xmlns:mc="http://schemas.openxmlformats.org/markup-compatibility/2006" xmlns:p14="http://schemas.microsoft.com/office/powerpoint/2010/main">
-    <mc:Choice Requires="p14">
-      <p:transition p14:dur="0"/>
-    </mc:Choice>
-    <mc:Fallback xmlns="">
-      <p:transition/>
-    </mc:Fallback>
-  </mc:AlternateContent>
-</p:sld>
-</file>
-
 <file path=ppt/slides/slide14.xml><?xml version="1.0" encoding="utf-8"?>
 <p:sld xmlns:a="http://schemas.openxmlformats.org/drawingml/2006/main" xmlns:r="http://schemas.openxmlformats.org/officeDocument/2006/relationships" xmlns:p="http://schemas.openxmlformats.org/presentationml/2006/main">
   <p:cSld>
@@ -8815,6 +9048,754 @@
           <a:p>
             <a:r>
               <a:rPr lang="de-DE" dirty="0"/>
+              <a:t>Produkte</a:t>
+            </a:r>
+          </a:p>
+        </p:txBody>
+      </p:sp>
+      <p:sp>
+        <p:nvSpPr>
+          <p:cNvPr id="3" name="Textplatzhalter 2"/>
+          <p:cNvSpPr>
+            <a:spLocks noGrp="1"/>
+          </p:cNvSpPr>
+          <p:nvPr>
+            <p:ph type="body" idx="1"/>
+          </p:nvPr>
+        </p:nvSpPr>
+        <p:spPr/>
+        <p:txBody>
+          <a:bodyPr>
+            <a:normAutofit/>
+          </a:bodyPr>
+          <a:lstStyle/>
+          <a:p>
+            <a:r>
+              <a:rPr lang="de-DE" dirty="0"/>
+              <a:t>Auswahl an Produkten auf dem Markt</a:t>
+            </a:r>
+          </a:p>
+        </p:txBody>
+      </p:sp>
+    </p:spTree>
+    <p:extLst>
+      <p:ext uri="{BB962C8B-B14F-4D97-AF65-F5344CB8AC3E}">
+        <p14:creationId xmlns:p14="http://schemas.microsoft.com/office/powerpoint/2010/main" val="407350720"/>
+      </p:ext>
+    </p:extLst>
+  </p:cSld>
+  <p:clrMapOvr>
+    <a:masterClrMapping/>
+  </p:clrMapOvr>
+  <mc:AlternateContent xmlns:mc="http://schemas.openxmlformats.org/markup-compatibility/2006" xmlns:p14="http://schemas.microsoft.com/office/powerpoint/2010/main">
+    <mc:Choice Requires="p14">
+      <p:transition spd="med" p14:dur="700">
+        <p:fade/>
+      </p:transition>
+    </mc:Choice>
+    <mc:Fallback xmlns="">
+      <p:transition spd="med">
+        <p:fade/>
+      </p:transition>
+    </mc:Fallback>
+  </mc:AlternateContent>
+</p:sld>
+</file>
+
+<file path=ppt/slides/slide18.xml><?xml version="1.0" encoding="utf-8"?>
+<p:sld xmlns:a="http://schemas.openxmlformats.org/drawingml/2006/main" xmlns:r="http://schemas.openxmlformats.org/officeDocument/2006/relationships" xmlns:p="http://schemas.openxmlformats.org/presentationml/2006/main">
+  <p:cSld>
+    <p:spTree>
+      <p:nvGrpSpPr>
+        <p:cNvPr id="1" name=""/>
+        <p:cNvGrpSpPr/>
+        <p:nvPr/>
+      </p:nvGrpSpPr>
+      <p:grpSpPr>
+        <a:xfrm>
+          <a:off x="0" y="0"/>
+          <a:ext cx="0" cy="0"/>
+          <a:chOff x="0" y="0"/>
+          <a:chExt cx="0" cy="0"/>
+        </a:xfrm>
+      </p:grpSpPr>
+      <p:sp>
+        <p:nvSpPr>
+          <p:cNvPr id="2" name="Titel 1"/>
+          <p:cNvSpPr>
+            <a:spLocks noGrp="1"/>
+          </p:cNvSpPr>
+          <p:nvPr>
+            <p:ph type="title"/>
+          </p:nvPr>
+        </p:nvSpPr>
+        <p:spPr/>
+        <p:txBody>
+          <a:bodyPr/>
+          <a:lstStyle/>
+          <a:p>
+            <a:r>
+              <a:rPr lang="de-DE" dirty="0"/>
+              <a:t>Produkte - Transport</a:t>
+            </a:r>
+          </a:p>
+        </p:txBody>
+      </p:sp>
+      <p:sp>
+        <p:nvSpPr>
+          <p:cNvPr id="3" name="Inhaltsplatzhalter 2"/>
+          <p:cNvSpPr>
+            <a:spLocks noGrp="1"/>
+          </p:cNvSpPr>
+          <p:nvPr>
+            <p:ph idx="1"/>
+          </p:nvPr>
+        </p:nvSpPr>
+        <p:spPr/>
+        <p:txBody>
+          <a:bodyPr/>
+          <a:lstStyle/>
+          <a:p>
+            <a:pPr marL="0" indent="0">
+              <a:buNone/>
+            </a:pPr>
+            <a:r>
+              <a:rPr lang="de-DE" dirty="0"/>
+              <a:t>Broker:</a:t>
+            </a:r>
+          </a:p>
+          <a:p>
+            <a:r>
+              <a:rPr lang="de-DE" dirty="0" err="1"/>
+              <a:t>Azure</a:t>
+            </a:r>
+            <a:r>
+              <a:rPr lang="de-DE" dirty="0"/>
+              <a:t> Service Bus</a:t>
+            </a:r>
+          </a:p>
+          <a:p>
+            <a:r>
+              <a:rPr lang="de-DE" dirty="0" err="1"/>
+              <a:t>RabbitMQ</a:t>
+            </a:r>
+            <a:r>
+              <a:rPr lang="de-DE" dirty="0"/>
+              <a:t>/</a:t>
+            </a:r>
+            <a:r>
+              <a:rPr lang="de-DE" dirty="0" err="1"/>
+              <a:t>ActiveMQ</a:t>
+            </a:r>
+            <a:endParaRPr lang="de-DE" dirty="0"/>
+          </a:p>
+          <a:p>
+            <a:r>
+              <a:rPr lang="de-DE" dirty="0"/>
+              <a:t>SQL Server</a:t>
+            </a:r>
+          </a:p>
+          <a:p>
+            <a:endParaRPr lang="de-DE" dirty="0"/>
+          </a:p>
+          <a:p>
+            <a:pPr marL="0" indent="0">
+              <a:buNone/>
+            </a:pPr>
+            <a:r>
+              <a:rPr lang="de-DE" dirty="0"/>
+              <a:t>Bus:</a:t>
+            </a:r>
+          </a:p>
+          <a:p>
+            <a:r>
+              <a:rPr lang="de-DE" dirty="0"/>
+              <a:t>MSMQ</a:t>
+            </a:r>
+          </a:p>
+          <a:p>
+            <a:endParaRPr lang="de-DE" dirty="0"/>
+          </a:p>
+          <a:p>
+            <a:endParaRPr lang="de-DE" dirty="0"/>
+          </a:p>
+        </p:txBody>
+      </p:sp>
+    </p:spTree>
+    <p:extLst>
+      <p:ext uri="{BB962C8B-B14F-4D97-AF65-F5344CB8AC3E}">
+        <p14:creationId xmlns:p14="http://schemas.microsoft.com/office/powerpoint/2010/main" val="2796543641"/>
+      </p:ext>
+    </p:extLst>
+  </p:cSld>
+  <p:clrMapOvr>
+    <a:masterClrMapping/>
+  </p:clrMapOvr>
+  <mc:AlternateContent xmlns:mc="http://schemas.openxmlformats.org/markup-compatibility/2006" xmlns:p14="http://schemas.microsoft.com/office/powerpoint/2010/main">
+    <mc:Choice Requires="p14">
+      <p:transition p14:dur="0"/>
+    </mc:Choice>
+    <mc:Fallback xmlns="">
+      <p:transition/>
+    </mc:Fallback>
+  </mc:AlternateContent>
+</p:sld>
+</file>
+
+<file path=ppt/slides/slide19.xml><?xml version="1.0" encoding="utf-8"?>
+<p:sld xmlns:a="http://schemas.openxmlformats.org/drawingml/2006/main" xmlns:r="http://schemas.openxmlformats.org/officeDocument/2006/relationships" xmlns:p="http://schemas.openxmlformats.org/presentationml/2006/main">
+  <p:cSld>
+    <p:spTree>
+      <p:nvGrpSpPr>
+        <p:cNvPr id="1" name=""/>
+        <p:cNvGrpSpPr/>
+        <p:nvPr/>
+      </p:nvGrpSpPr>
+      <p:grpSpPr>
+        <a:xfrm>
+          <a:off x="0" y="0"/>
+          <a:ext cx="0" cy="0"/>
+          <a:chOff x="0" y="0"/>
+          <a:chExt cx="0" cy="0"/>
+        </a:xfrm>
+      </p:grpSpPr>
+      <p:sp>
+        <p:nvSpPr>
+          <p:cNvPr id="2" name="Titel 1"/>
+          <p:cNvSpPr>
+            <a:spLocks noGrp="1"/>
+          </p:cNvSpPr>
+          <p:nvPr>
+            <p:ph type="title"/>
+          </p:nvPr>
+        </p:nvSpPr>
+        <p:spPr/>
+        <p:txBody>
+          <a:bodyPr/>
+          <a:lstStyle/>
+          <a:p>
+            <a:r>
+              <a:rPr lang="de-DE" dirty="0"/>
+              <a:t>Produkte - Frameworks</a:t>
+            </a:r>
+          </a:p>
+        </p:txBody>
+      </p:sp>
+      <p:sp>
+        <p:nvSpPr>
+          <p:cNvPr id="5" name="Rechteck 4"/>
+          <p:cNvSpPr/>
+          <p:nvPr/>
+        </p:nvSpPr>
+        <p:spPr>
+          <a:xfrm>
+            <a:off x="2252932" y="2428335"/>
+            <a:ext cx="4418161" cy="3278038"/>
+          </a:xfrm>
+          <a:prstGeom prst="rect">
+            <a:avLst/>
+          </a:prstGeom>
+        </p:spPr>
+        <p:style>
+          <a:lnRef idx="2">
+            <a:schemeClr val="accent1">
+              <a:shade val="50000"/>
+            </a:schemeClr>
+          </a:lnRef>
+          <a:fillRef idx="1">
+            <a:schemeClr val="accent1"/>
+          </a:fillRef>
+          <a:effectRef idx="0">
+            <a:schemeClr val="accent1"/>
+          </a:effectRef>
+          <a:fontRef idx="minor">
+            <a:schemeClr val="lt1"/>
+          </a:fontRef>
+        </p:style>
+        <p:txBody>
+          <a:bodyPr rtlCol="0" anchor="ctr"/>
+          <a:lstStyle/>
+          <a:p>
+            <a:pPr algn="ctr"/>
+            <a:r>
+              <a:rPr lang="de-DE" dirty="0" err="1"/>
+              <a:t>Application</a:t>
+            </a:r>
+            <a:endParaRPr lang="de-DE" dirty="0"/>
+          </a:p>
+        </p:txBody>
+      </p:sp>
+      <p:sp>
+        <p:nvSpPr>
+          <p:cNvPr id="6" name="Rechteck 5"/>
+          <p:cNvSpPr/>
+          <p:nvPr/>
+        </p:nvSpPr>
+        <p:spPr>
+          <a:xfrm>
+            <a:off x="9264770" y="914400"/>
+            <a:ext cx="776377" cy="5543909"/>
+          </a:xfrm>
+          <a:prstGeom prst="rect">
+            <a:avLst/>
+          </a:prstGeom>
+        </p:spPr>
+        <p:style>
+          <a:lnRef idx="2">
+            <a:schemeClr val="accent1">
+              <a:shade val="50000"/>
+            </a:schemeClr>
+          </a:lnRef>
+          <a:fillRef idx="1">
+            <a:schemeClr val="accent1"/>
+          </a:fillRef>
+          <a:effectRef idx="0">
+            <a:schemeClr val="accent1"/>
+          </a:effectRef>
+          <a:fontRef idx="minor">
+            <a:schemeClr val="lt1"/>
+          </a:fontRef>
+        </p:style>
+        <p:txBody>
+          <a:bodyPr rtlCol="0" anchor="ctr"/>
+          <a:lstStyle/>
+          <a:p>
+            <a:pPr algn="ctr"/>
+            <a:r>
+              <a:rPr lang="de-DE" dirty="0"/>
+              <a:t>Bus</a:t>
+            </a:r>
+          </a:p>
+        </p:txBody>
+      </p:sp>
+      <p:sp>
+        <p:nvSpPr>
+          <p:cNvPr id="7" name="Rechteck 6"/>
+          <p:cNvSpPr/>
+          <p:nvPr/>
+        </p:nvSpPr>
+        <p:spPr>
+          <a:xfrm>
+            <a:off x="5290868" y="2500180"/>
+            <a:ext cx="1303328" cy="3164499"/>
+          </a:xfrm>
+          <a:prstGeom prst="rect">
+            <a:avLst/>
+          </a:prstGeom>
+        </p:spPr>
+        <p:style>
+          <a:lnRef idx="2">
+            <a:schemeClr val="accent3">
+              <a:shade val="50000"/>
+            </a:schemeClr>
+          </a:lnRef>
+          <a:fillRef idx="1">
+            <a:schemeClr val="accent3"/>
+          </a:fillRef>
+          <a:effectRef idx="0">
+            <a:schemeClr val="accent3"/>
+          </a:effectRef>
+          <a:fontRef idx="minor">
+            <a:schemeClr val="lt1"/>
+          </a:fontRef>
+        </p:style>
+        <p:txBody>
+          <a:bodyPr rtlCol="0" anchor="ctr"/>
+          <a:lstStyle/>
+          <a:p>
+            <a:pPr algn="ctr"/>
+            <a:r>
+              <a:rPr lang="de-DE" sz="1400" dirty="0"/>
+              <a:t>Message Bus Framework</a:t>
+            </a:r>
+            <a:endParaRPr lang="de-DE" dirty="0"/>
+          </a:p>
+        </p:txBody>
+      </p:sp>
+      <p:cxnSp>
+        <p:nvCxnSpPr>
+          <p:cNvPr id="9" name="Gerade Verbindung mit Pfeil 8"/>
+          <p:cNvCxnSpPr>
+            <a:stCxn id="7" idx="3"/>
+            <a:endCxn id="6" idx="1"/>
+          </p:cNvCxnSpPr>
+          <p:nvPr/>
+        </p:nvCxnSpPr>
+        <p:spPr>
+          <a:xfrm flipV="1">
+            <a:off x="6594196" y="3686355"/>
+            <a:ext cx="2670574" cy="396075"/>
+          </a:xfrm>
+          <a:prstGeom prst="straightConnector1">
+            <a:avLst/>
+          </a:prstGeom>
+          <a:ln w="15875" cap="flat" cmpd="sng" algn="ctr">
+            <a:solidFill>
+              <a:schemeClr val="accent3"/>
+            </a:solidFill>
+            <a:prstDash val="solid"/>
+            <a:round/>
+            <a:headEnd type="arrow" w="med" len="med"/>
+            <a:tailEnd type="arrow" w="med" len="med"/>
+          </a:ln>
+        </p:spPr>
+        <p:style>
+          <a:lnRef idx="0">
+            <a:scrgbClr r="0" g="0" b="0"/>
+          </a:lnRef>
+          <a:fillRef idx="0">
+            <a:scrgbClr r="0" g="0" b="0"/>
+          </a:fillRef>
+          <a:effectRef idx="0">
+            <a:scrgbClr r="0" g="0" b="0"/>
+          </a:effectRef>
+          <a:fontRef idx="minor">
+            <a:schemeClr val="tx1"/>
+          </a:fontRef>
+        </p:style>
+      </p:cxnSp>
+    </p:spTree>
+    <p:extLst>
+      <p:ext uri="{BB962C8B-B14F-4D97-AF65-F5344CB8AC3E}">
+        <p14:creationId xmlns:p14="http://schemas.microsoft.com/office/powerpoint/2010/main" val="2222650189"/>
+      </p:ext>
+    </p:extLst>
+  </p:cSld>
+  <p:clrMapOvr>
+    <a:masterClrMapping/>
+  </p:clrMapOvr>
+  <mc:AlternateContent xmlns:mc="http://schemas.openxmlformats.org/markup-compatibility/2006" xmlns:p14="http://schemas.microsoft.com/office/powerpoint/2010/main">
+    <mc:Choice Requires="p14">
+      <p:transition p14:dur="0"/>
+    </mc:Choice>
+    <mc:Fallback xmlns="">
+      <p:transition/>
+    </mc:Fallback>
+  </mc:AlternateContent>
+</p:sld>
+</file>
+
+<file path=ppt/slides/slide2.xml><?xml version="1.0" encoding="utf-8"?>
+<p:sld xmlns:a="http://schemas.openxmlformats.org/drawingml/2006/main" xmlns:r="http://schemas.openxmlformats.org/officeDocument/2006/relationships" xmlns:p="http://schemas.openxmlformats.org/presentationml/2006/main">
+  <p:cSld>
+    <p:spTree>
+      <p:nvGrpSpPr>
+        <p:cNvPr id="1" name=""/>
+        <p:cNvGrpSpPr/>
+        <p:nvPr/>
+      </p:nvGrpSpPr>
+      <p:grpSpPr>
+        <a:xfrm>
+          <a:off x="0" y="0"/>
+          <a:ext cx="0" cy="0"/>
+          <a:chOff x="0" y="0"/>
+          <a:chExt cx="0" cy="0"/>
+        </a:xfrm>
+      </p:grpSpPr>
+      <p:sp>
+        <p:nvSpPr>
+          <p:cNvPr id="2" name="Titel 1"/>
+          <p:cNvSpPr>
+            <a:spLocks noGrp="1"/>
+          </p:cNvSpPr>
+          <p:nvPr>
+            <p:ph type="title"/>
+          </p:nvPr>
+        </p:nvSpPr>
+        <p:spPr/>
+        <p:txBody>
+          <a:bodyPr/>
+          <a:lstStyle/>
+          <a:p>
+            <a:pPr algn="l" defTabSz="914400">
+              <a:lnSpc>
+                <a:spcPct val="85000"/>
+              </a:lnSpc>
+              <a:spcBef>
+                <a:spcPct val="0"/>
+              </a:spcBef>
+              <a:buNone/>
+            </a:pPr>
+            <a:r>
+              <a:rPr lang="de-DE" sz="4400" b="0" i="0" baseline="0" dirty="0">
+                <a:solidFill>
+                  <a:srgbClr val="1BDCFF"/>
+                </a:solidFill>
+                <a:latin typeface="Calibri"/>
+              </a:rPr>
+              <a:t>Agenda</a:t>
+            </a:r>
+            <a:endParaRPr lang="de-DE" dirty="0"/>
+          </a:p>
+        </p:txBody>
+      </p:sp>
+      <p:sp>
+        <p:nvSpPr>
+          <p:cNvPr id="3" name="Inhaltsplatzhalter 2"/>
+          <p:cNvSpPr>
+            <a:spLocks noGrp="1"/>
+          </p:cNvSpPr>
+          <p:nvPr>
+            <p:ph idx="1"/>
+          </p:nvPr>
+        </p:nvSpPr>
+        <p:spPr/>
+        <p:txBody>
+          <a:bodyPr>
+            <a:normAutofit/>
+          </a:bodyPr>
+          <a:lstStyle/>
+          <a:p>
+            <a:pPr marL="274320" indent="-274320" algn="l" defTabSz="914400">
+              <a:lnSpc>
+                <a:spcPct val="90000"/>
+              </a:lnSpc>
+              <a:spcBef>
+                <a:spcPts val="1800"/>
+              </a:spcBef>
+              <a:buClr>
+                <a:srgbClr val="404040"/>
+              </a:buClr>
+              <a:buSzPct val="100000"/>
+              <a:buFont typeface="Arial"/>
+              <a:buChar char="▪"/>
+            </a:pPr>
+            <a:r>
+              <a:rPr lang="de-DE" sz="2400" b="0" i="0" dirty="0">
+                <a:solidFill>
+                  <a:srgbClr val="404040"/>
+                </a:solidFill>
+                <a:latin typeface="Calibri"/>
+              </a:rPr>
+              <a:t>Was ist ein Message Bus</a:t>
+            </a:r>
+          </a:p>
+          <a:p>
+            <a:pPr marL="274320" indent="-274320" algn="l" defTabSz="914400">
+              <a:lnSpc>
+                <a:spcPct val="90000"/>
+              </a:lnSpc>
+              <a:spcBef>
+                <a:spcPts val="1800"/>
+              </a:spcBef>
+              <a:buClr>
+                <a:srgbClr val="404040"/>
+              </a:buClr>
+              <a:buSzPct val="100000"/>
+              <a:buFont typeface="Arial"/>
+              <a:buChar char="▪"/>
+            </a:pPr>
+            <a:r>
+              <a:rPr lang="de-DE" sz="2400" b="0" i="0" dirty="0">
+                <a:solidFill>
+                  <a:srgbClr val="404040"/>
+                </a:solidFill>
+                <a:latin typeface="Calibri"/>
+              </a:rPr>
+              <a:t>Produkte</a:t>
+            </a:r>
+          </a:p>
+          <a:p>
+            <a:pPr marL="274320" indent="-274320" algn="l" defTabSz="914400">
+              <a:lnSpc>
+                <a:spcPct val="90000"/>
+              </a:lnSpc>
+              <a:spcBef>
+                <a:spcPts val="1800"/>
+              </a:spcBef>
+              <a:buClr>
+                <a:srgbClr val="404040"/>
+              </a:buClr>
+              <a:buSzPct val="100000"/>
+              <a:buFont typeface="Arial"/>
+              <a:buChar char="▪"/>
+            </a:pPr>
+            <a:r>
+              <a:rPr lang="de-DE" dirty="0">
+                <a:solidFill>
+                  <a:srgbClr val="404040"/>
+                </a:solidFill>
+                <a:latin typeface="Calibri"/>
+              </a:rPr>
+              <a:t>Demos</a:t>
+            </a:r>
+          </a:p>
+        </p:txBody>
+      </p:sp>
+    </p:spTree>
+    <p:extLst>
+      <p:ext uri="{BB962C8B-B14F-4D97-AF65-F5344CB8AC3E}">
+        <p14:creationId xmlns:p14="http://schemas.microsoft.com/office/powerpoint/2010/main" val="2523332612"/>
+      </p:ext>
+    </p:extLst>
+  </p:cSld>
+  <p:clrMapOvr>
+    <a:masterClrMapping/>
+  </p:clrMapOvr>
+  <mc:AlternateContent xmlns:mc="http://schemas.openxmlformats.org/markup-compatibility/2006" xmlns:p14="http://schemas.microsoft.com/office/powerpoint/2010/main">
+    <mc:Choice Requires="p14">
+      <p:transition spd="med" p14:dur="700">
+        <p:fade/>
+      </p:transition>
+    </mc:Choice>
+    <mc:Fallback xmlns="">
+      <p:transition spd="med">
+        <p:fade/>
+      </p:transition>
+    </mc:Fallback>
+  </mc:AlternateContent>
+</p:sld>
+</file>
+
+<file path=ppt/slides/slide20.xml><?xml version="1.0" encoding="utf-8"?>
+<p:sld xmlns:a="http://schemas.openxmlformats.org/drawingml/2006/main" xmlns:r="http://schemas.openxmlformats.org/officeDocument/2006/relationships" xmlns:p="http://schemas.openxmlformats.org/presentationml/2006/main">
+  <p:cSld>
+    <p:spTree>
+      <p:nvGrpSpPr>
+        <p:cNvPr id="1" name=""/>
+        <p:cNvGrpSpPr/>
+        <p:nvPr/>
+      </p:nvGrpSpPr>
+      <p:grpSpPr>
+        <a:xfrm>
+          <a:off x="0" y="0"/>
+          <a:ext cx="0" cy="0"/>
+          <a:chOff x="0" y="0"/>
+          <a:chExt cx="0" cy="0"/>
+        </a:xfrm>
+      </p:grpSpPr>
+      <p:sp>
+        <p:nvSpPr>
+          <p:cNvPr id="2" name="Titel 1"/>
+          <p:cNvSpPr>
+            <a:spLocks noGrp="1"/>
+          </p:cNvSpPr>
+          <p:nvPr>
+            <p:ph type="title"/>
+          </p:nvPr>
+        </p:nvSpPr>
+        <p:spPr/>
+        <p:txBody>
+          <a:bodyPr/>
+          <a:lstStyle/>
+          <a:p>
+            <a:r>
+              <a:rPr lang="de-DE" dirty="0"/>
+              <a:t>Produkte - Frameworks</a:t>
+            </a:r>
+          </a:p>
+        </p:txBody>
+      </p:sp>
+      <p:sp>
+        <p:nvSpPr>
+          <p:cNvPr id="3" name="Inhaltsplatzhalter 2"/>
+          <p:cNvSpPr>
+            <a:spLocks noGrp="1"/>
+          </p:cNvSpPr>
+          <p:nvPr>
+            <p:ph idx="1"/>
+          </p:nvPr>
+        </p:nvSpPr>
+        <p:spPr/>
+        <p:txBody>
+          <a:bodyPr/>
+          <a:lstStyle/>
+          <a:p>
+            <a:r>
+              <a:rPr lang="de-DE" dirty="0" err="1"/>
+              <a:t>NServiceBus</a:t>
+            </a:r>
+            <a:endParaRPr lang="de-DE" dirty="0"/>
+          </a:p>
+          <a:p>
+            <a:r>
+              <a:rPr lang="de-DE" dirty="0" err="1"/>
+              <a:t>Masstransit</a:t>
+            </a:r>
+            <a:endParaRPr lang="de-DE" dirty="0"/>
+          </a:p>
+          <a:p>
+            <a:r>
+              <a:rPr lang="de-DE" dirty="0" err="1"/>
+              <a:t>Shuttle.esb</a:t>
+            </a:r>
+            <a:endParaRPr lang="de-DE" dirty="0"/>
+          </a:p>
+          <a:p>
+            <a:r>
+              <a:rPr lang="de-DE" dirty="0"/>
+              <a:t>Rebus</a:t>
+            </a:r>
+          </a:p>
+          <a:p>
+            <a:r>
+              <a:rPr lang="de-DE" dirty="0"/>
+              <a:t>…</a:t>
+            </a:r>
+          </a:p>
+          <a:p>
+            <a:endParaRPr lang="de-DE" dirty="0"/>
+          </a:p>
+          <a:p>
+            <a:endParaRPr lang="de-DE" dirty="0"/>
+          </a:p>
+        </p:txBody>
+      </p:sp>
+    </p:spTree>
+    <p:extLst>
+      <p:ext uri="{BB962C8B-B14F-4D97-AF65-F5344CB8AC3E}">
+        <p14:creationId xmlns:p14="http://schemas.microsoft.com/office/powerpoint/2010/main" val="352874904"/>
+      </p:ext>
+    </p:extLst>
+  </p:cSld>
+  <p:clrMapOvr>
+    <a:masterClrMapping/>
+  </p:clrMapOvr>
+  <mc:AlternateContent xmlns:mc="http://schemas.openxmlformats.org/markup-compatibility/2006" xmlns:p14="http://schemas.microsoft.com/office/powerpoint/2010/main">
+    <mc:Choice Requires="p14">
+      <p:transition p14:dur="0"/>
+    </mc:Choice>
+    <mc:Fallback xmlns="">
+      <p:transition/>
+    </mc:Fallback>
+  </mc:AlternateContent>
+</p:sld>
+</file>
+
+<file path=ppt/slides/slide21.xml><?xml version="1.0" encoding="utf-8"?>
+<p:sld xmlns:a="http://schemas.openxmlformats.org/drawingml/2006/main" xmlns:r="http://schemas.openxmlformats.org/officeDocument/2006/relationships" xmlns:p="http://schemas.openxmlformats.org/presentationml/2006/main">
+  <p:cSld>
+    <p:spTree>
+      <p:nvGrpSpPr>
+        <p:cNvPr id="1" name=""/>
+        <p:cNvGrpSpPr/>
+        <p:nvPr/>
+      </p:nvGrpSpPr>
+      <p:grpSpPr>
+        <a:xfrm>
+          <a:off x="0" y="0"/>
+          <a:ext cx="0" cy="0"/>
+          <a:chOff x="0" y="0"/>
+          <a:chExt cx="0" cy="0"/>
+        </a:xfrm>
+      </p:grpSpPr>
+      <p:sp>
+        <p:nvSpPr>
+          <p:cNvPr id="2" name="Titel 1"/>
+          <p:cNvSpPr>
+            <a:spLocks noGrp="1"/>
+          </p:cNvSpPr>
+          <p:nvPr>
+            <p:ph type="title"/>
+          </p:nvPr>
+        </p:nvSpPr>
+        <p:spPr/>
+        <p:txBody>
+          <a:bodyPr/>
+          <a:lstStyle/>
+          <a:p>
+            <a:r>
+              <a:rPr lang="de-DE" dirty="0"/>
               <a:t>Demos</a:t>
             </a:r>
           </a:p>
@@ -8869,7 +9850,7 @@
 </p:sld>
 </file>
 
-<file path=ppt/slides/slide18.xml><?xml version="1.0" encoding="utf-8"?>
+<file path=ppt/slides/slide22.xml><?xml version="1.0" encoding="utf-8"?>
 <p:sld xmlns:a="http://schemas.openxmlformats.org/drawingml/2006/main" xmlns:r="http://schemas.openxmlformats.org/officeDocument/2006/relationships" xmlns:p="http://schemas.openxmlformats.org/presentationml/2006/main">
   <p:cSld>
     <p:spTree>
@@ -10846,7 +11827,7 @@
 </p:sld>
 </file>
 
-<file path=ppt/slides/slide19.xml><?xml version="1.0" encoding="utf-8"?>
+<file path=ppt/slides/slide23.xml><?xml version="1.0" encoding="utf-8"?>
 <p:sld xmlns:a="http://schemas.openxmlformats.org/drawingml/2006/main" xmlns:r="http://schemas.openxmlformats.org/officeDocument/2006/relationships" xmlns:p="http://schemas.openxmlformats.org/presentationml/2006/main">
   <p:cSld>
     <p:spTree>
@@ -14084,179 +15065,7 @@
 </p:sld>
 </file>
 
-<file path=ppt/slides/slide2.xml><?xml version="1.0" encoding="utf-8"?>
-<p:sld xmlns:a="http://schemas.openxmlformats.org/drawingml/2006/main" xmlns:r="http://schemas.openxmlformats.org/officeDocument/2006/relationships" xmlns:p="http://schemas.openxmlformats.org/presentationml/2006/main">
-  <p:cSld>
-    <p:spTree>
-      <p:nvGrpSpPr>
-        <p:cNvPr id="1" name=""/>
-        <p:cNvGrpSpPr/>
-        <p:nvPr/>
-      </p:nvGrpSpPr>
-      <p:grpSpPr>
-        <a:xfrm>
-          <a:off x="0" y="0"/>
-          <a:ext cx="0" cy="0"/>
-          <a:chOff x="0" y="0"/>
-          <a:chExt cx="0" cy="0"/>
-        </a:xfrm>
-      </p:grpSpPr>
-      <p:sp>
-        <p:nvSpPr>
-          <p:cNvPr id="2" name="Titel 1"/>
-          <p:cNvSpPr>
-            <a:spLocks noGrp="1"/>
-          </p:cNvSpPr>
-          <p:nvPr>
-            <p:ph type="title"/>
-          </p:nvPr>
-        </p:nvSpPr>
-        <p:spPr/>
-        <p:txBody>
-          <a:bodyPr/>
-          <a:lstStyle/>
-          <a:p>
-            <a:pPr algn="l" defTabSz="914400">
-              <a:lnSpc>
-                <a:spcPct val="85000"/>
-              </a:lnSpc>
-              <a:spcBef>
-                <a:spcPct val="0"/>
-              </a:spcBef>
-              <a:buNone/>
-            </a:pPr>
-            <a:r>
-              <a:rPr lang="de-DE" sz="4400" b="0" i="0" baseline="0" dirty="0">
-                <a:solidFill>
-                  <a:srgbClr val="1BDCFF"/>
-                </a:solidFill>
-                <a:latin typeface="Calibri"/>
-              </a:rPr>
-              <a:t>Agenda</a:t>
-            </a:r>
-            <a:endParaRPr lang="de-DE" dirty="0"/>
-          </a:p>
-        </p:txBody>
-      </p:sp>
-      <p:sp>
-        <p:nvSpPr>
-          <p:cNvPr id="3" name="Inhaltsplatzhalter 2"/>
-          <p:cNvSpPr>
-            <a:spLocks noGrp="1"/>
-          </p:cNvSpPr>
-          <p:nvPr>
-            <p:ph idx="1"/>
-          </p:nvPr>
-        </p:nvSpPr>
-        <p:spPr/>
-        <p:txBody>
-          <a:bodyPr>
-            <a:normAutofit/>
-          </a:bodyPr>
-          <a:lstStyle/>
-          <a:p>
-            <a:pPr marL="274320" indent="-274320" algn="l" defTabSz="914400">
-              <a:lnSpc>
-                <a:spcPct val="90000"/>
-              </a:lnSpc>
-              <a:spcBef>
-                <a:spcPts val="1800"/>
-              </a:spcBef>
-              <a:buClr>
-                <a:srgbClr val="404040"/>
-              </a:buClr>
-              <a:buSzPct val="100000"/>
-              <a:buFont typeface="Arial"/>
-              <a:buChar char="▪"/>
-            </a:pPr>
-            <a:r>
-              <a:rPr lang="de-DE" sz="2400" b="0" i="0" dirty="0">
-                <a:solidFill>
-                  <a:srgbClr val="404040"/>
-                </a:solidFill>
-                <a:latin typeface="Calibri"/>
-              </a:rPr>
-              <a:t>Was ist ein Message Bus</a:t>
-            </a:r>
-          </a:p>
-          <a:p>
-            <a:pPr marL="274320" indent="-274320" algn="l" defTabSz="914400">
-              <a:lnSpc>
-                <a:spcPct val="90000"/>
-              </a:lnSpc>
-              <a:spcBef>
-                <a:spcPts val="1800"/>
-              </a:spcBef>
-              <a:buClr>
-                <a:srgbClr val="404040"/>
-              </a:buClr>
-              <a:buSzPct val="100000"/>
-              <a:buFont typeface="Arial"/>
-              <a:buChar char="▪"/>
-            </a:pPr>
-            <a:r>
-              <a:rPr lang="de-DE" sz="2400" b="0" i="0" dirty="0">
-                <a:solidFill>
-                  <a:srgbClr val="404040"/>
-                </a:solidFill>
-                <a:latin typeface="Calibri"/>
-              </a:rPr>
-              <a:t>Produkte</a:t>
-            </a:r>
-          </a:p>
-          <a:p>
-            <a:pPr marL="274320" indent="-274320" algn="l" defTabSz="914400">
-              <a:lnSpc>
-                <a:spcPct val="90000"/>
-              </a:lnSpc>
-              <a:spcBef>
-                <a:spcPts val="1800"/>
-              </a:spcBef>
-              <a:buClr>
-                <a:srgbClr val="404040"/>
-              </a:buClr>
-              <a:buSzPct val="100000"/>
-              <a:buFont typeface="Arial"/>
-              <a:buChar char="▪"/>
-            </a:pPr>
-            <a:r>
-              <a:rPr lang="de-DE" dirty="0">
-                <a:solidFill>
-                  <a:srgbClr val="404040"/>
-                </a:solidFill>
-                <a:latin typeface="Calibri"/>
-              </a:rPr>
-              <a:t>Demos</a:t>
-            </a:r>
-          </a:p>
-        </p:txBody>
-      </p:sp>
-    </p:spTree>
-    <p:extLst>
-      <p:ext uri="{BB962C8B-B14F-4D97-AF65-F5344CB8AC3E}">
-        <p14:creationId xmlns:p14="http://schemas.microsoft.com/office/powerpoint/2010/main" val="2523332612"/>
-      </p:ext>
-    </p:extLst>
-  </p:cSld>
-  <p:clrMapOvr>
-    <a:masterClrMapping/>
-  </p:clrMapOvr>
-  <mc:AlternateContent xmlns:mc="http://schemas.openxmlformats.org/markup-compatibility/2006" xmlns:p14="http://schemas.microsoft.com/office/powerpoint/2010/main">
-    <mc:Choice Requires="p14">
-      <p:transition spd="med" p14:dur="700">
-        <p:fade/>
-      </p:transition>
-    </mc:Choice>
-    <mc:Fallback xmlns="">
-      <p:transition spd="med">
-        <p:fade/>
-      </p:transition>
-    </mc:Fallback>
-  </mc:AlternateContent>
-</p:sld>
-</file>
-
-<file path=ppt/slides/slide20.xml><?xml version="1.0" encoding="utf-8"?>
+<file path=ppt/slides/slide24.xml><?xml version="1.0" encoding="utf-8"?>
 <p:sld xmlns:a="http://schemas.openxmlformats.org/drawingml/2006/main" xmlns:r="http://schemas.openxmlformats.org/officeDocument/2006/relationships" xmlns:p="http://schemas.openxmlformats.org/presentationml/2006/main">
   <p:cSld>
     <p:spTree>
@@ -16877,7 +17686,7 @@
 </p:sld>
 </file>
 
-<file path=ppt/slides/slide21.xml><?xml version="1.0" encoding="utf-8"?>
+<file path=ppt/slides/slide25.xml><?xml version="1.0" encoding="utf-8"?>
 <p:sld xmlns:a="http://schemas.openxmlformats.org/drawingml/2006/main" xmlns:r="http://schemas.openxmlformats.org/officeDocument/2006/relationships" xmlns:p="http://schemas.openxmlformats.org/presentationml/2006/main">
   <p:cSld>
     <p:spTree>
@@ -16965,7 +17774,7 @@
 </p:sld>
 </file>
 
-<file path=ppt/slides/slide22.xml><?xml version="1.0" encoding="utf-8"?>
+<file path=ppt/slides/slide26.xml><?xml version="1.0" encoding="utf-8"?>
 <p:sld xmlns:a="http://schemas.openxmlformats.org/drawingml/2006/main" xmlns:r="http://schemas.openxmlformats.org/officeDocument/2006/relationships" xmlns:p="http://schemas.openxmlformats.org/presentationml/2006/main">
   <p:cSld>
     <p:spTree>
@@ -19456,7 +20265,7 @@
 </p:sld>
 </file>
 
-<file path=ppt/slides/slide23.xml><?xml version="1.0" encoding="utf-8"?>
+<file path=ppt/slides/slide27.xml><?xml version="1.0" encoding="utf-8"?>
 <p:sld xmlns:a="http://schemas.openxmlformats.org/drawingml/2006/main" xmlns:r="http://schemas.openxmlformats.org/officeDocument/2006/relationships" xmlns:p="http://schemas.openxmlformats.org/presentationml/2006/main">
   <p:cSld>
     <p:spTree>
@@ -20202,7 +21011,7 @@
 </p:sld>
 </file>
 
-<file path=ppt/slides/slide24.xml><?xml version="1.0" encoding="utf-8"?>
+<file path=ppt/slides/slide28.xml><?xml version="1.0" encoding="utf-8"?>
 <p:sld xmlns:a="http://schemas.openxmlformats.org/drawingml/2006/main" xmlns:r="http://schemas.openxmlformats.org/officeDocument/2006/relationships" xmlns:p="http://schemas.openxmlformats.org/presentationml/2006/main">
   <p:cSld>
     <p:spTree>
@@ -20325,7 +21134,7 @@
 </p:sld>
 </file>
 
-<file path=ppt/slides/slide25.xml><?xml version="1.0" encoding="utf-8"?>
+<file path=ppt/slides/slide29.xml><?xml version="1.0" encoding="utf-8"?>
 <p:sld xmlns:a="http://schemas.openxmlformats.org/drawingml/2006/main" xmlns:r="http://schemas.openxmlformats.org/officeDocument/2006/relationships" xmlns:p="http://schemas.openxmlformats.org/presentationml/2006/main">
   <p:cSld>
     <p:spTree>
@@ -21167,7 +21976,95 @@
 </p:sld>
 </file>
 
-<file path=ppt/slides/slide26.xml><?xml version="1.0" encoding="utf-8"?>
+<file path=ppt/slides/slide3.xml><?xml version="1.0" encoding="utf-8"?>
+<p:sld xmlns:a="http://schemas.openxmlformats.org/drawingml/2006/main" xmlns:r="http://schemas.openxmlformats.org/officeDocument/2006/relationships" xmlns:p="http://schemas.openxmlformats.org/presentationml/2006/main">
+  <p:cSld>
+    <p:spTree>
+      <p:nvGrpSpPr>
+        <p:cNvPr id="1" name=""/>
+        <p:cNvGrpSpPr/>
+        <p:nvPr/>
+      </p:nvGrpSpPr>
+      <p:grpSpPr>
+        <a:xfrm>
+          <a:off x="0" y="0"/>
+          <a:ext cx="0" cy="0"/>
+          <a:chOff x="0" y="0"/>
+          <a:chExt cx="0" cy="0"/>
+        </a:xfrm>
+      </p:grpSpPr>
+      <p:sp>
+        <p:nvSpPr>
+          <p:cNvPr id="2" name="Titel 1"/>
+          <p:cNvSpPr>
+            <a:spLocks noGrp="1"/>
+          </p:cNvSpPr>
+          <p:nvPr>
+            <p:ph type="title"/>
+          </p:nvPr>
+        </p:nvSpPr>
+        <p:spPr/>
+        <p:txBody>
+          <a:bodyPr/>
+          <a:lstStyle/>
+          <a:p>
+            <a:r>
+              <a:rPr lang="de-DE" dirty="0"/>
+              <a:t>Was ist ein Message Bus</a:t>
+            </a:r>
+          </a:p>
+        </p:txBody>
+      </p:sp>
+      <p:sp>
+        <p:nvSpPr>
+          <p:cNvPr id="3" name="Textplatzhalter 2"/>
+          <p:cNvSpPr>
+            <a:spLocks noGrp="1"/>
+          </p:cNvSpPr>
+          <p:nvPr>
+            <p:ph type="body" idx="1"/>
+          </p:nvPr>
+        </p:nvSpPr>
+        <p:spPr/>
+        <p:txBody>
+          <a:bodyPr>
+            <a:normAutofit/>
+          </a:bodyPr>
+          <a:lstStyle/>
+          <a:p>
+            <a:r>
+              <a:rPr lang="de-DE" dirty="0"/>
+              <a:t>Eine Einführung/Übersicht</a:t>
+            </a:r>
+          </a:p>
+        </p:txBody>
+      </p:sp>
+    </p:spTree>
+    <p:extLst>
+      <p:ext uri="{BB962C8B-B14F-4D97-AF65-F5344CB8AC3E}">
+        <p14:creationId xmlns:p14="http://schemas.microsoft.com/office/powerpoint/2010/main" val="2052253814"/>
+      </p:ext>
+    </p:extLst>
+  </p:cSld>
+  <p:clrMapOvr>
+    <a:masterClrMapping/>
+  </p:clrMapOvr>
+  <mc:AlternateContent xmlns:mc="http://schemas.openxmlformats.org/markup-compatibility/2006" xmlns:p14="http://schemas.microsoft.com/office/powerpoint/2010/main">
+    <mc:Choice Requires="p14">
+      <p:transition spd="med" p14:dur="700">
+        <p:fade/>
+      </p:transition>
+    </mc:Choice>
+    <mc:Fallback xmlns="">
+      <p:transition spd="med">
+        <p:fade/>
+      </p:transition>
+    </mc:Fallback>
+  </mc:AlternateContent>
+</p:sld>
+</file>
+
+<file path=ppt/slides/slide30.xml><?xml version="1.0" encoding="utf-8"?>
 <p:sld xmlns:a="http://schemas.openxmlformats.org/drawingml/2006/main" xmlns:r="http://schemas.openxmlformats.org/officeDocument/2006/relationships" xmlns:p="http://schemas.openxmlformats.org/presentationml/2006/main">
   <p:cSld>
     <p:spTree>
@@ -21263,7 +22160,7 @@
 </p:sld>
 </file>
 
-<file path=ppt/slides/slide27.xml><?xml version="1.0" encoding="utf-8"?>
+<file path=ppt/slides/slide31.xml><?xml version="1.0" encoding="utf-8"?>
 <p:sld xmlns:a="http://schemas.openxmlformats.org/drawingml/2006/main" xmlns:r="http://schemas.openxmlformats.org/officeDocument/2006/relationships" xmlns:p="http://schemas.openxmlformats.org/presentationml/2006/main">
   <p:cSld>
     <p:spTree>
@@ -21377,7 +22274,7 @@
 </p:sld>
 </file>
 
-<file path=ppt/slides/slide3.xml><?xml version="1.0" encoding="utf-8"?>
+<file path=ppt/slides/slide4.xml><?xml version="1.0" encoding="utf-8"?>
 <p:sld xmlns:a="http://schemas.openxmlformats.org/drawingml/2006/main" xmlns:r="http://schemas.openxmlformats.org/officeDocument/2006/relationships" xmlns:p="http://schemas.openxmlformats.org/presentationml/2006/main">
   <p:cSld>
     <p:spTree>
@@ -21477,7 +22374,7 @@
 </p:sld>
 </file>
 
-<file path=ppt/slides/slide4.xml><?xml version="1.0" encoding="utf-8"?>
+<file path=ppt/slides/slide5.xml><?xml version="1.0" encoding="utf-8"?>
 <p:sld xmlns:a="http://schemas.openxmlformats.org/drawingml/2006/main" xmlns:r="http://schemas.openxmlformats.org/officeDocument/2006/relationships" xmlns:p="http://schemas.openxmlformats.org/presentationml/2006/main">
   <p:cSld>
     <p:spTree>
@@ -22236,7 +23133,7 @@
 </p:sld>
 </file>
 
-<file path=ppt/slides/slide5.xml><?xml version="1.0" encoding="utf-8"?>
+<file path=ppt/slides/slide6.xml><?xml version="1.0" encoding="utf-8"?>
 <p:sld xmlns:a="http://schemas.openxmlformats.org/drawingml/2006/main" xmlns:r="http://schemas.openxmlformats.org/officeDocument/2006/relationships" xmlns:p="http://schemas.openxmlformats.org/presentationml/2006/main">
   <p:cSld>
     <p:spTree>
@@ -22674,100 +23571,6 @@
 </p:sld>
 </file>
 
-<file path=ppt/slides/slide6.xml><?xml version="1.0" encoding="utf-8"?>
-<p:sld xmlns:a="http://schemas.openxmlformats.org/drawingml/2006/main" xmlns:r="http://schemas.openxmlformats.org/officeDocument/2006/relationships" xmlns:p="http://schemas.openxmlformats.org/presentationml/2006/main">
-  <p:cSld>
-    <p:spTree>
-      <p:nvGrpSpPr>
-        <p:cNvPr id="1" name=""/>
-        <p:cNvGrpSpPr/>
-        <p:nvPr/>
-      </p:nvGrpSpPr>
-      <p:grpSpPr>
-        <a:xfrm>
-          <a:off x="0" y="0"/>
-          <a:ext cx="0" cy="0"/>
-          <a:chOff x="0" y="0"/>
-          <a:chExt cx="0" cy="0"/>
-        </a:xfrm>
-      </p:grpSpPr>
-      <p:sp>
-        <p:nvSpPr>
-          <p:cNvPr id="2" name="Titel 1"/>
-          <p:cNvSpPr>
-            <a:spLocks noGrp="1"/>
-          </p:cNvSpPr>
-          <p:nvPr>
-            <p:ph type="title"/>
-          </p:nvPr>
-        </p:nvSpPr>
-        <p:spPr/>
-        <p:txBody>
-          <a:bodyPr/>
-          <a:lstStyle/>
-          <a:p>
-            <a:r>
-              <a:rPr lang="de-DE" dirty="0"/>
-              <a:t>Was ist ein </a:t>
-            </a:r>
-            <a:r>
-              <a:rPr lang="de-DE" dirty="0" err="1"/>
-              <a:t>message</a:t>
-            </a:r>
-            <a:r>
-              <a:rPr lang="de-DE" dirty="0"/>
-              <a:t> Bus</a:t>
-            </a:r>
-          </a:p>
-        </p:txBody>
-      </p:sp>
-      <p:sp>
-        <p:nvSpPr>
-          <p:cNvPr id="3" name="Inhaltsplatzhalter 2"/>
-          <p:cNvSpPr>
-            <a:spLocks noGrp="1"/>
-          </p:cNvSpPr>
-          <p:nvPr>
-            <p:ph idx="1"/>
-          </p:nvPr>
-        </p:nvSpPr>
-        <p:spPr/>
-        <p:txBody>
-          <a:bodyPr/>
-          <a:lstStyle/>
-          <a:p>
-            <a:r>
-              <a:rPr lang="de-DE" dirty="0"/>
-              <a:t>Enterprise Service Bus = Message Bus + Integrationen</a:t>
-            </a:r>
-          </a:p>
-        </p:txBody>
-      </p:sp>
-    </p:spTree>
-    <p:extLst>
-      <p:ext uri="{BB962C8B-B14F-4D97-AF65-F5344CB8AC3E}">
-        <p14:creationId xmlns:p14="http://schemas.microsoft.com/office/powerpoint/2010/main" val="292695911"/>
-      </p:ext>
-    </p:extLst>
-  </p:cSld>
-  <p:clrMapOvr>
-    <a:masterClrMapping/>
-  </p:clrMapOvr>
-  <mc:AlternateContent xmlns:mc="http://schemas.openxmlformats.org/markup-compatibility/2006" xmlns:p14="http://schemas.microsoft.com/office/powerpoint/2010/main">
-    <mc:Choice Requires="p14">
-      <p:transition spd="med" p14:dur="700">
-        <p:fade/>
-      </p:transition>
-    </mc:Choice>
-    <mc:Fallback xmlns="">
-      <p:transition spd="med">
-        <p:fade/>
-      </p:transition>
-    </mc:Fallback>
-  </mc:AlternateContent>
-</p:sld>
-</file>
-
 <file path=ppt/slides/slide7.xml><?xml version="1.0" encoding="utf-8"?>
 <p:sld xmlns:a="http://schemas.openxmlformats.org/drawingml/2006/main" xmlns:r="http://schemas.openxmlformats.org/officeDocument/2006/relationships" xmlns:p="http://schemas.openxmlformats.org/presentationml/2006/main">
   <p:cSld>
@@ -22830,55 +23633,9 @@
           <a:bodyPr/>
           <a:lstStyle/>
           <a:p>
-            <a:pPr marL="0" indent="0">
-              <a:buNone/>
-            </a:pPr>
             <a:r>
               <a:rPr lang="de-DE" dirty="0"/>
-              <a:t>Vorteile: </a:t>
-            </a:r>
-          </a:p>
-          <a:p>
-            <a:pPr lvl="1"/>
-            <a:r>
-              <a:rPr lang="de-DE" dirty="0"/>
-              <a:t>Skalierbarkeit</a:t>
-            </a:r>
-          </a:p>
-          <a:p>
-            <a:pPr lvl="1"/>
-            <a:r>
-              <a:rPr lang="de-DE" dirty="0"/>
-              <a:t>Entkopplung</a:t>
-            </a:r>
-          </a:p>
-          <a:p>
-            <a:pPr lvl="1"/>
-            <a:r>
-              <a:rPr lang="de-DE" dirty="0"/>
-              <a:t>Erweiterbarkeit</a:t>
-            </a:r>
-          </a:p>
-          <a:p>
-            <a:pPr lvl="1"/>
-            <a:r>
-              <a:rPr lang="de-DE" dirty="0"/>
-              <a:t>Anbindung für heterogene Landschaften</a:t>
-            </a:r>
-          </a:p>
-          <a:p>
-            <a:pPr marL="0" indent="0">
-              <a:buNone/>
-            </a:pPr>
-            <a:endParaRPr lang="de-DE" dirty="0"/>
-          </a:p>
-          <a:p>
-            <a:pPr marL="0" indent="0">
-              <a:buNone/>
-            </a:pPr>
-            <a:r>
-              <a:rPr lang="de-DE" dirty="0"/>
-              <a:t>Nachteile: Komplexität</a:t>
+              <a:t>Enterprise Service Bus = Message Bus + Integrationen</a:t>
             </a:r>
           </a:p>
         </p:txBody>
@@ -22886,7 +23643,7 @@
     </p:spTree>
     <p:extLst>
       <p:ext uri="{BB962C8B-B14F-4D97-AF65-F5344CB8AC3E}">
-        <p14:creationId xmlns:p14="http://schemas.microsoft.com/office/powerpoint/2010/main" val="18146898"/>
+        <p14:creationId xmlns:p14="http://schemas.microsoft.com/office/powerpoint/2010/main" val="292695911"/>
       </p:ext>
     </p:extLst>
   </p:cSld>
@@ -22975,52 +23732,65 @@
             </a:pPr>
             <a:r>
               <a:rPr lang="de-DE" dirty="0"/>
-              <a:t>Nachrichtentypen:</a:t>
-            </a:r>
-          </a:p>
-          <a:p>
+              <a:t>Vorteile: </a:t>
+            </a:r>
+          </a:p>
+          <a:p>
+            <a:pPr lvl="1"/>
             <a:r>
               <a:rPr lang="de-DE" dirty="0"/>
-              <a:t>Events</a:t>
+              <a:t>Skalierbarkeit</a:t>
             </a:r>
           </a:p>
           <a:p>
             <a:pPr lvl="1"/>
             <a:r>
               <a:rPr lang="de-DE" dirty="0"/>
-              <a:t>Für 0 oder mehr Empfänger</a:t>
+              <a:t>Entkopplung</a:t>
             </a:r>
           </a:p>
           <a:p>
             <a:pPr lvl="1"/>
             <a:r>
               <a:rPr lang="de-DE" dirty="0"/>
-              <a:t>Wird für Ereignisse verwendet: Etwas wurde getan/verändert, etwas ist passiert</a:t>
+              <a:t>Erweiterbarkeit</a:t>
             </a:r>
           </a:p>
           <a:p>
             <a:pPr lvl="1"/>
+            <a:r>
+              <a:rPr lang="de-DE" dirty="0"/>
+              <a:t>Anbindung für heterogene Landschaften</a:t>
+            </a:r>
+          </a:p>
+          <a:p>
+            <a:pPr marL="0" indent="0">
+              <a:buNone/>
+            </a:pPr>
             <a:endParaRPr lang="de-DE" dirty="0"/>
           </a:p>
           <a:p>
+            <a:pPr marL="0" indent="0">
+              <a:buNone/>
+            </a:pPr>
+            <a:r>
+              <a:rPr lang="de-DE" dirty="0"/>
+              <a:t>Nachteile: Komplexität</a:t>
+            </a:r>
+          </a:p>
+          <a:p>
+            <a:pPr lvl="1"/>
+            <a:r>
+              <a:rPr lang="de-DE" dirty="0"/>
+              <a:t>Asynchron (außer Request/Response </a:t>
+            </a:r>
             <a:r>
               <a:rPr lang="de-DE" dirty="0" err="1"/>
-              <a:t>Commands</a:t>
-            </a:r>
-            <a:endParaRPr lang="de-DE" dirty="0"/>
-          </a:p>
-          <a:p>
-            <a:pPr lvl="1"/>
+              <a:t>pattern</a:t>
+            </a:r>
             <a:r>
               <a:rPr lang="de-DE" dirty="0"/>
-              <a:t>Für genau 1 Empfänger (nicht mehr/weniger)</a:t>
-            </a:r>
-          </a:p>
-          <a:p>
-            <a:pPr lvl="1"/>
-            <a:r>
-              <a:rPr lang="de-DE" dirty="0"/>
-              <a:t>Wird für Aufgaben verwendet: Mache dies, Erstelle X, Drucke A</a:t>
+              <a:t>)</a:t>
             </a:r>
           </a:p>
         </p:txBody>
@@ -23028,7 +23798,7 @@
     </p:spTree>
     <p:extLst>
       <p:ext uri="{BB962C8B-B14F-4D97-AF65-F5344CB8AC3E}">
-        <p14:creationId xmlns:p14="http://schemas.microsoft.com/office/powerpoint/2010/main" val="1738817717"/>
+        <p14:creationId xmlns:p14="http://schemas.microsoft.com/office/powerpoint/2010/main" val="18146898"/>
       </p:ext>
     </p:extLst>
   </p:cSld>
@@ -23117,27 +23887,27 @@
             </a:pPr>
             <a:r>
               <a:rPr lang="de-DE" dirty="0"/>
-              <a:t>Transportsysteme:</a:t>
+              <a:t>Nachrichtentypen:</a:t>
             </a:r>
           </a:p>
           <a:p>
             <a:r>
               <a:rPr lang="de-DE" dirty="0"/>
-              <a:t>Broker</a:t>
+              <a:t>Events</a:t>
             </a:r>
           </a:p>
           <a:p>
             <a:pPr lvl="1"/>
             <a:r>
               <a:rPr lang="de-DE" dirty="0"/>
-              <a:t>Zentral</a:t>
+              <a:t>Für 0 oder mehr Empfänger</a:t>
             </a:r>
           </a:p>
           <a:p>
             <a:pPr lvl="1"/>
             <a:r>
               <a:rPr lang="de-DE" dirty="0"/>
-              <a:t>Stellt Queues bereit</a:t>
+              <a:t>Wird für Ereignisse verwendet: Etwas wurde getan/verändert, etwas ist passiert</a:t>
             </a:r>
           </a:p>
           <a:p>
@@ -23146,17 +23916,31 @@
           </a:p>
           <a:p>
             <a:r>
-              <a:rPr lang="de-DE"/>
-              <a:t>Bus</a:t>
+              <a:rPr lang="de-DE" dirty="0" err="1"/>
+              <a:t>Commands</a:t>
             </a:r>
             <a:endParaRPr lang="de-DE" dirty="0"/>
+          </a:p>
+          <a:p>
+            <a:pPr lvl="1"/>
+            <a:r>
+              <a:rPr lang="de-DE" dirty="0"/>
+              <a:t>Für genau 1 Empfänger (nicht mehr/weniger)</a:t>
+            </a:r>
+          </a:p>
+          <a:p>
+            <a:pPr lvl="1"/>
+            <a:r>
+              <a:rPr lang="de-DE" dirty="0"/>
+              <a:t>Wird für Aufgaben verwendet: Mache dies, Erstelle X, Drucke A</a:t>
+            </a:r>
           </a:p>
         </p:txBody>
       </p:sp>
     </p:spTree>
     <p:extLst>
       <p:ext uri="{BB962C8B-B14F-4D97-AF65-F5344CB8AC3E}">
-        <p14:creationId xmlns:p14="http://schemas.microsoft.com/office/powerpoint/2010/main" val="1266595489"/>
+        <p14:creationId xmlns:p14="http://schemas.microsoft.com/office/powerpoint/2010/main" val="1738817717"/>
       </p:ext>
     </p:extLst>
   </p:cSld>

--- a/MessageBus.pptx
+++ b/MessageBus.pptx
@@ -942,7 +942,7 @@
           <a:p>
             <a:fld id="{6AC4FB8F-ED15-48AB-97BD-17129D4E699D}" type="datetimeFigureOut">
               <a:rPr lang="de-DE" smtClean="0"/>
-              <a:t>20.04.2017</a:t>
+              <a:t>25.04.2017</a:t>
             </a:fld>
             <a:endParaRPr lang="de-DE" dirty="0"/>
           </a:p>
@@ -1107,7 +1107,7 @@
           <a:p>
             <a:fld id="{BBC9D437-CD83-4825-AD0D-5E7B341BC79B}" type="datetimeFigureOut">
               <a:rPr lang="de-DE" smtClean="0"/>
-              <a:t>20.04.2017</a:t>
+              <a:t>25.04.2017</a:t>
             </a:fld>
             <a:endParaRPr lang="de-DE" dirty="0"/>
           </a:p>
@@ -8116,6 +8116,206 @@
           </a:p>
         </p:txBody>
       </p:sp>
+      <p:sp>
+        <p:nvSpPr>
+          <p:cNvPr id="14" name="Rechteck 13"/>
+          <p:cNvSpPr/>
+          <p:nvPr/>
+        </p:nvSpPr>
+        <p:spPr>
+          <a:xfrm>
+            <a:off x="5706150" y="2779514"/>
+            <a:ext cx="196763" cy="157456"/>
+          </a:xfrm>
+          <a:prstGeom prst="rect">
+            <a:avLst/>
+          </a:prstGeom>
+        </p:spPr>
+        <p:style>
+          <a:lnRef idx="2">
+            <a:schemeClr val="accent3">
+              <a:shade val="50000"/>
+            </a:schemeClr>
+          </a:lnRef>
+          <a:fillRef idx="1">
+            <a:schemeClr val="accent3"/>
+          </a:fillRef>
+          <a:effectRef idx="0">
+            <a:schemeClr val="accent3"/>
+          </a:effectRef>
+          <a:fontRef idx="minor">
+            <a:schemeClr val="lt1"/>
+          </a:fontRef>
+        </p:style>
+        <p:txBody>
+          <a:bodyPr rtlCol="0" anchor="ctr"/>
+          <a:lstStyle/>
+          <a:p>
+            <a:pPr algn="ctr"/>
+            <a:endParaRPr lang="de-DE"/>
+          </a:p>
+        </p:txBody>
+      </p:sp>
+      <p:sp>
+        <p:nvSpPr>
+          <p:cNvPr id="16" name="Rechteck 15"/>
+          <p:cNvSpPr/>
+          <p:nvPr/>
+        </p:nvSpPr>
+        <p:spPr>
+          <a:xfrm>
+            <a:off x="5925983" y="2779514"/>
+            <a:ext cx="196763" cy="157456"/>
+          </a:xfrm>
+          <a:prstGeom prst="rect">
+            <a:avLst/>
+          </a:prstGeom>
+        </p:spPr>
+        <p:style>
+          <a:lnRef idx="2">
+            <a:schemeClr val="accent3">
+              <a:shade val="50000"/>
+            </a:schemeClr>
+          </a:lnRef>
+          <a:fillRef idx="1">
+            <a:schemeClr val="accent3"/>
+          </a:fillRef>
+          <a:effectRef idx="0">
+            <a:schemeClr val="accent3"/>
+          </a:effectRef>
+          <a:fontRef idx="minor">
+            <a:schemeClr val="lt1"/>
+          </a:fontRef>
+        </p:style>
+        <p:txBody>
+          <a:bodyPr rtlCol="0" anchor="ctr"/>
+          <a:lstStyle/>
+          <a:p>
+            <a:pPr algn="ctr"/>
+            <a:endParaRPr lang="de-DE"/>
+          </a:p>
+        </p:txBody>
+      </p:sp>
+      <p:sp>
+        <p:nvSpPr>
+          <p:cNvPr id="18" name="Rechteck 17"/>
+          <p:cNvSpPr/>
+          <p:nvPr/>
+        </p:nvSpPr>
+        <p:spPr>
+          <a:xfrm>
+            <a:off x="6146041" y="2779514"/>
+            <a:ext cx="196763" cy="157456"/>
+          </a:xfrm>
+          <a:prstGeom prst="rect">
+            <a:avLst/>
+          </a:prstGeom>
+        </p:spPr>
+        <p:style>
+          <a:lnRef idx="2">
+            <a:schemeClr val="accent3">
+              <a:shade val="50000"/>
+            </a:schemeClr>
+          </a:lnRef>
+          <a:fillRef idx="1">
+            <a:schemeClr val="accent3"/>
+          </a:fillRef>
+          <a:effectRef idx="0">
+            <a:schemeClr val="accent3"/>
+          </a:effectRef>
+          <a:fontRef idx="minor">
+            <a:schemeClr val="lt1"/>
+          </a:fontRef>
+        </p:style>
+        <p:txBody>
+          <a:bodyPr rtlCol="0" anchor="ctr"/>
+          <a:lstStyle/>
+          <a:p>
+            <a:pPr algn="ctr"/>
+            <a:endParaRPr lang="de-DE"/>
+          </a:p>
+        </p:txBody>
+      </p:sp>
+      <p:sp>
+        <p:nvSpPr>
+          <p:cNvPr id="20" name="Rechteck 19"/>
+          <p:cNvSpPr/>
+          <p:nvPr/>
+        </p:nvSpPr>
+        <p:spPr>
+          <a:xfrm>
+            <a:off x="6364795" y="2779512"/>
+            <a:ext cx="196763" cy="157456"/>
+          </a:xfrm>
+          <a:prstGeom prst="rect">
+            <a:avLst/>
+          </a:prstGeom>
+        </p:spPr>
+        <p:style>
+          <a:lnRef idx="2">
+            <a:schemeClr val="accent3">
+              <a:shade val="50000"/>
+            </a:schemeClr>
+          </a:lnRef>
+          <a:fillRef idx="1">
+            <a:schemeClr val="accent3"/>
+          </a:fillRef>
+          <a:effectRef idx="0">
+            <a:schemeClr val="accent3"/>
+          </a:effectRef>
+          <a:fontRef idx="minor">
+            <a:schemeClr val="lt1"/>
+          </a:fontRef>
+        </p:style>
+        <p:txBody>
+          <a:bodyPr rtlCol="0" anchor="ctr"/>
+          <a:lstStyle/>
+          <a:p>
+            <a:pPr algn="ctr"/>
+            <a:endParaRPr lang="de-DE"/>
+          </a:p>
+        </p:txBody>
+      </p:sp>
+      <p:sp>
+        <p:nvSpPr>
+          <p:cNvPr id="21" name="Rechteck 20"/>
+          <p:cNvSpPr/>
+          <p:nvPr/>
+        </p:nvSpPr>
+        <p:spPr>
+          <a:xfrm>
+            <a:off x="6578706" y="2779512"/>
+            <a:ext cx="196763" cy="157456"/>
+          </a:xfrm>
+          <a:prstGeom prst="rect">
+            <a:avLst/>
+          </a:prstGeom>
+        </p:spPr>
+        <p:style>
+          <a:lnRef idx="2">
+            <a:schemeClr val="accent3">
+              <a:shade val="50000"/>
+            </a:schemeClr>
+          </a:lnRef>
+          <a:fillRef idx="1">
+            <a:schemeClr val="accent3"/>
+          </a:fillRef>
+          <a:effectRef idx="0">
+            <a:schemeClr val="accent3"/>
+          </a:effectRef>
+          <a:fontRef idx="minor">
+            <a:schemeClr val="lt1"/>
+          </a:fontRef>
+        </p:style>
+        <p:txBody>
+          <a:bodyPr rtlCol="0" anchor="ctr"/>
+          <a:lstStyle/>
+          <a:p>
+            <a:pPr algn="ctr"/>
+            <a:endParaRPr lang="de-DE"/>
+          </a:p>
+        </p:txBody>
+      </p:sp>
     </p:spTree>
     <p:extLst>
       <p:ext uri="{BB962C8B-B14F-4D97-AF65-F5344CB8AC3E}">
@@ -8918,7 +9118,7 @@
           <a:p>
             <a:r>
               <a:rPr lang="de-DE" dirty="0"/>
-              <a:t>Je nach Message Bus Library unterschiedliche Konfigurationsarten</a:t>
+              <a:t>Je nach Framework unterschiedliche Konfigurationsarten</a:t>
             </a:r>
           </a:p>
           <a:p>
@@ -8982,8 +9182,21 @@
             <a:pPr lvl="1"/>
             <a:r>
               <a:rPr lang="de-DE" dirty="0"/>
-              <a:t>….</a:t>
-            </a:r>
+              <a:t>Hard-</a:t>
+            </a:r>
+            <a:r>
+              <a:rPr lang="de-DE" dirty="0" err="1"/>
+              <a:t>coded</a:t>
+            </a:r>
+            <a:endParaRPr lang="de-DE" dirty="0"/>
+          </a:p>
+          <a:p>
+            <a:pPr lvl="1"/>
+            <a:r>
+              <a:rPr lang="de-DE"/>
+              <a:t>…</a:t>
+            </a:r>
+            <a:endParaRPr lang="de-DE" dirty="0"/>
           </a:p>
           <a:p>
             <a:endParaRPr lang="de-DE" dirty="0"/>
@@ -25293,40 +25506,37 @@
 
 <file path=customXml/item1.xml><?xml version="1.0" encoding="utf-8"?>
 <Control xmlns="http://schemas.microsoft.com/VisualStudio/2011/storyboarding/control">
-  <Id Name="System.Storyboarding.WindowsDesktop.CommandPrompt" Revision="1" Stencil="System.Storyboarding.WindowsDesktop" StencilVersion="0.1"/>
+  <Id Name="System.Storyboarding.Media.LineChart" Revision="1" Stencil="System.Storyboarding.Media" StencilVersion="0.1"/>
 </Control>
 </file>
 
 <file path=customXml/item10.xml><?xml version="1.0" encoding="utf-8"?>
 <Control xmlns="http://schemas.microsoft.com/VisualStudio/2011/storyboarding/control">
-  <Id Name="System.Storyboarding.Backgrounds.WebBrowser" Revision="1" Stencil="System.Storyboarding.Backgrounds" StencilVersion="0.1"/>
+  <Id Name="System.Storyboarding.WindowsDesktop.CommandPrompt" Revision="1" Stencil="System.Storyboarding.WindowsDesktop" StencilVersion="0.1"/>
 </Control>
 </file>
 
 <file path=customXml/item11.xml><?xml version="1.0" encoding="utf-8"?>
 <Control xmlns="http://schemas.microsoft.com/VisualStudio/2011/storyboarding/control">
-  <Id Name="System.Storyboarding.Media.LineChart" Revision="1" Stencil="System.Storyboarding.Media" StencilVersion="0.1"/>
+  <Id Name="System.Storyboarding.WindowsDesktop.CommandPrompt" Revision="1" Stencil="System.Storyboarding.WindowsDesktop" StencilVersion="0.1"/>
 </Control>
 </file>
 
 <file path=customXml/item12.xml><?xml version="1.0" encoding="utf-8"?>
 <Control xmlns="http://schemas.microsoft.com/VisualStudio/2011/storyboarding/control">
+  <Id Name="System.Storyboarding.Backgrounds.WebBrowser" Revision="1" Stencil="System.Storyboarding.Backgrounds" StencilVersion="0.1"/>
+</Control>
+</file>
+
+<file path=customXml/item13.xml><?xml version="1.0" encoding="utf-8"?>
+<Control xmlns="http://schemas.microsoft.com/VisualStudio/2011/storyboarding/control">
   <Id Name="System.Storyboarding.WindowsDesktop.CommandPrompt" Revision="1" Stencil="System.Storyboarding.WindowsDesktop" StencilVersion="0.1"/>
 </Control>
 </file>
 
-<file path=customXml/item13.xml><?xml version="1.0" encoding="utf-8"?>
-<?mso-contentType ?>
-<FormTemplates xmlns="http://schemas.microsoft.com/sharepoint/v3/contenttype/forms">
-  <Display>DocumentLibraryForm</Display>
-  <Edit>AssetEditForm</Edit>
-  <New>DocumentLibraryForm</New>
-</FormTemplates>
-</file>
-
 <file path=customXml/item14.xml><?xml version="1.0" encoding="utf-8"?>
 <Control xmlns="http://schemas.microsoft.com/VisualStudio/2011/storyboarding/control">
-  <Id Name="System.Storyboarding.Backgrounds.Window" Revision="1" Stencil="System.Storyboarding.Backgrounds" StencilVersion="0.1"/>
+  <Id Name="System.Storyboarding.WindowsDesktop.CommandPrompt" Revision="1" Stencil="System.Storyboarding.WindowsDesktop" StencilVersion="0.1"/>
 </Control>
 </file>
 
@@ -25344,25 +25554,28 @@
 
 <file path=customXml/item17.xml><?xml version="1.0" encoding="utf-8"?>
 <Control xmlns="http://schemas.microsoft.com/VisualStudio/2011/storyboarding/control">
-  <Id Name="System.Storyboarding.WindowsDesktop.CommandPrompt" Revision="1" Stencil="System.Storyboarding.WindowsDesktop" StencilVersion="0.1"/>
+  <Id Name="System.Storyboarding.Backgrounds.WebBrowser" Revision="1" Stencil="System.Storyboarding.Backgrounds" StencilVersion="0.1"/>
 </Control>
 </file>
 
 <file path=customXml/item18.xml><?xml version="1.0" encoding="utf-8"?>
 <Control xmlns="http://schemas.microsoft.com/VisualStudio/2011/storyboarding/control">
-  <Id Name="System.Storyboarding.WindowsDesktop.CommandPrompt" Revision="1" Stencil="System.Storyboarding.WindowsDesktop" StencilVersion="0.1"/>
+  <Id Name="System.Storyboarding.Media.LineChart" Revision="1" Stencil="System.Storyboarding.Media" StencilVersion="0.1"/>
 </Control>
 </file>
 
 <file path=customXml/item19.xml><?xml version="1.0" encoding="utf-8"?>
-<Control xmlns="http://schemas.microsoft.com/VisualStudio/2011/storyboarding/control">
-  <Id Name="System.Storyboarding.WindowsDesktop.CommandPrompt" Revision="1" Stencil="System.Storyboarding.WindowsDesktop" StencilVersion="0.1"/>
-</Control>
+<?mso-contentType ?>
+<FormTemplates xmlns="http://schemas.microsoft.com/sharepoint/v3/contenttype/forms">
+  <Display>DocumentLibraryForm</Display>
+  <Edit>AssetEditForm</Edit>
+  <New>DocumentLibraryForm</New>
+</FormTemplates>
 </file>
 
 <file path=customXml/item2.xml><?xml version="1.0" encoding="utf-8"?>
 <Control xmlns="http://schemas.microsoft.com/VisualStudio/2011/storyboarding/control">
-  <Id Name="System.Storyboarding.Backgrounds.Window" Revision="1" Stencil="System.Storyboarding.Backgrounds" StencilVersion="0.1"/>
+  <Id Name="System.Storyboarding.WindowsDesktop.CommandPrompt" Revision="1" Stencil="System.Storyboarding.WindowsDesktop" StencilVersion="0.1"/>
 </Control>
 </file>
 
@@ -25380,19 +25593,19 @@
 
 <file path=customXml/item3.xml><?xml version="1.0" encoding="utf-8"?>
 <Control xmlns="http://schemas.microsoft.com/VisualStudio/2011/storyboarding/control">
-  <Id Name="System.Storyboarding.Media.LineChart" Revision="1" Stencil="System.Storyboarding.Media" StencilVersion="0.1"/>
+  <Id Name="System.Storyboarding.WindowsDesktop.CommandPrompt" Revision="1" Stencil="System.Storyboarding.WindowsDesktop" StencilVersion="0.1"/>
 </Control>
 </file>
 
 <file path=customXml/item4.xml><?xml version="1.0" encoding="utf-8"?>
 <Control xmlns="http://schemas.microsoft.com/VisualStudio/2011/storyboarding/control">
-  <Id Name="System.Storyboarding.WindowsDesktop.CommandPrompt" Revision="1" Stencil="System.Storyboarding.WindowsDesktop" StencilVersion="0.1"/>
+  <Id Name="System.Storyboarding.Backgrounds.Window" Revision="1" Stencil="System.Storyboarding.Backgrounds" StencilVersion="0.1"/>
 </Control>
 </file>
 
 <file path=customXml/item5.xml><?xml version="1.0" encoding="utf-8"?>
 <Control xmlns="http://schemas.microsoft.com/VisualStudio/2011/storyboarding/control">
-  <Id Name="System.Storyboarding.WindowsDesktop.CommandPrompt" Revision="1" Stencil="System.Storyboarding.WindowsDesktop" StencilVersion="0.1"/>
+  <Id Name="System.Storyboarding.Backgrounds.Window" Revision="1" Stencil="System.Storyboarding.Backgrounds" StencilVersion="0.1"/>
 </Control>
 </file>
 
@@ -25404,24 +25617,24 @@
 
 <file path=customXml/item7.xml><?xml version="1.0" encoding="utf-8"?>
 <Control xmlns="http://schemas.microsoft.com/VisualStudio/2011/storyboarding/control">
-  <Id Name="System.Storyboarding.Media.LineChart" Revision="1" Stencil="System.Storyboarding.Media" StencilVersion="0.1"/>
+  <Id Name="System.Storyboarding.WindowsDesktop.CommandPrompt" Revision="1" Stencil="System.Storyboarding.WindowsDesktop" StencilVersion="0.1"/>
 </Control>
 </file>
 
 <file path=customXml/item8.xml><?xml version="1.0" encoding="utf-8"?>
 <Control xmlns="http://schemas.microsoft.com/VisualStudio/2011/storyboarding/control">
-  <Id Name="System.Storyboarding.Backgrounds.WebBrowser" Revision="1" Stencil="System.Storyboarding.Backgrounds" StencilVersion="0.1"/>
+  <Id Name="System.Storyboarding.WindowsDesktop.CommandPrompt" Revision="1" Stencil="System.Storyboarding.WindowsDesktop" StencilVersion="0.1"/>
 </Control>
 </file>
 
 <file path=customXml/item9.xml><?xml version="1.0" encoding="utf-8"?>
 <Control xmlns="http://schemas.microsoft.com/VisualStudio/2011/storyboarding/control">
-  <Id Name="System.Storyboarding.WindowsDesktop.CommandPrompt" Revision="1" Stencil="System.Storyboarding.WindowsDesktop" StencilVersion="0.1"/>
+  <Id Name="System.Storyboarding.Media.LineChart" Revision="1" Stencil="System.Storyboarding.Media" StencilVersion="0.1"/>
 </Control>
 </file>
 
 <file path=customXml/itemProps1.xml><?xml version="1.0" encoding="utf-8"?>
-<ds:datastoreItem xmlns:ds="http://schemas.openxmlformats.org/officeDocument/2006/customXml" ds:itemID="{FCBA8645-7628-40FD-BD48-9894A0006086}">
+<ds:datastoreItem xmlns:ds="http://schemas.openxmlformats.org/officeDocument/2006/customXml" ds:itemID="{4826D02C-1449-4302-8C50-E9D7F17D4DC9}">
   <ds:schemaRefs>
     <ds:schemaRef ds:uri="http://schemas.microsoft.com/VisualStudio/2011/storyboarding/control"/>
   </ds:schemaRefs>
@@ -25429,6 +25642,22 @@
 </file>
 
 <file path=customXml/itemProps10.xml><?xml version="1.0" encoding="utf-8"?>
+<ds:datastoreItem xmlns:ds="http://schemas.openxmlformats.org/officeDocument/2006/customXml" ds:itemID="{4C444F71-33D9-4F82-8040-A02C57AF694F}">
+  <ds:schemaRefs>
+    <ds:schemaRef ds:uri="http://schemas.microsoft.com/VisualStudio/2011/storyboarding/control"/>
+  </ds:schemaRefs>
+</ds:datastoreItem>
+</file>
+
+<file path=customXml/itemProps11.xml><?xml version="1.0" encoding="utf-8"?>
+<ds:datastoreItem xmlns:ds="http://schemas.openxmlformats.org/officeDocument/2006/customXml" ds:itemID="{D0C8E5F5-1416-464B-A1B7-CE94504B61FF}">
+  <ds:schemaRefs>
+    <ds:schemaRef ds:uri="http://schemas.microsoft.com/VisualStudio/2011/storyboarding/control"/>
+  </ds:schemaRefs>
+</ds:datastoreItem>
+</file>
+
+<file path=customXml/itemProps12.xml><?xml version="1.0" encoding="utf-8"?>
 <ds:datastoreItem xmlns:ds="http://schemas.openxmlformats.org/officeDocument/2006/customXml" ds:itemID="{A9102666-D8B3-45A6-A237-D03BA6B8825A}">
   <ds:schemaRefs>
     <ds:schemaRef ds:uri="http://schemas.microsoft.com/VisualStudio/2011/storyboarding/control"/>
@@ -25436,15 +25665,63 @@
 </ds:datastoreItem>
 </file>
 
-<file path=customXml/itemProps11.xml><?xml version="1.0" encoding="utf-8"?>
-<ds:datastoreItem xmlns:ds="http://schemas.openxmlformats.org/officeDocument/2006/customXml" ds:itemID="{6E704730-EFDA-4001-A7F8-263EBDB030CD}">
+<file path=customXml/itemProps13.xml><?xml version="1.0" encoding="utf-8"?>
+<ds:datastoreItem xmlns:ds="http://schemas.openxmlformats.org/officeDocument/2006/customXml" ds:itemID="{72C281E9-5844-4442-A6FD-9A3E9747C415}">
   <ds:schemaRefs>
     <ds:schemaRef ds:uri="http://schemas.microsoft.com/VisualStudio/2011/storyboarding/control"/>
   </ds:schemaRefs>
 </ds:datastoreItem>
 </file>
 
-<file path=customXml/itemProps12.xml><?xml version="1.0" encoding="utf-8"?>
+<file path=customXml/itemProps14.xml><?xml version="1.0" encoding="utf-8"?>
+<ds:datastoreItem xmlns:ds="http://schemas.openxmlformats.org/officeDocument/2006/customXml" ds:itemID="{BE5AFCAC-BA2A-4796-A1DE-805386B60B15}">
+  <ds:schemaRefs>
+    <ds:schemaRef ds:uri="http://schemas.microsoft.com/VisualStudio/2011/storyboarding/control"/>
+  </ds:schemaRefs>
+</ds:datastoreItem>
+</file>
+
+<file path=customXml/itemProps15.xml><?xml version="1.0" encoding="utf-8"?>
+<ds:datastoreItem xmlns:ds="http://schemas.openxmlformats.org/officeDocument/2006/customXml" ds:itemID="{EB43B946-5F3F-496A-BAC0-FDE1610E5DF7}">
+  <ds:schemaRefs>
+    <ds:schemaRef ds:uri="http://schemas.microsoft.com/VisualStudio/2011/storyboarding/control"/>
+  </ds:schemaRefs>
+</ds:datastoreItem>
+</file>
+
+<file path=customXml/itemProps16.xml><?xml version="1.0" encoding="utf-8"?>
+<ds:datastoreItem xmlns:ds="http://schemas.openxmlformats.org/officeDocument/2006/customXml" ds:itemID="{FFD75C83-7A2F-4943-AB60-CBD5D8852569}">
+  <ds:schemaRefs>
+    <ds:schemaRef ds:uri="http://schemas.microsoft.com/VisualStudio/2011/storyboarding/control"/>
+  </ds:schemaRefs>
+</ds:datastoreItem>
+</file>
+
+<file path=customXml/itemProps17.xml><?xml version="1.0" encoding="utf-8"?>
+<ds:datastoreItem xmlns:ds="http://schemas.openxmlformats.org/officeDocument/2006/customXml" ds:itemID="{F37B8CF7-CBBD-4984-8567-C9428FDF89F2}">
+  <ds:schemaRefs>
+    <ds:schemaRef ds:uri="http://schemas.microsoft.com/VisualStudio/2011/storyboarding/control"/>
+  </ds:schemaRefs>
+</ds:datastoreItem>
+</file>
+
+<file path=customXml/itemProps18.xml><?xml version="1.0" encoding="utf-8"?>
+<ds:datastoreItem xmlns:ds="http://schemas.openxmlformats.org/officeDocument/2006/customXml" ds:itemID="{6100C7F5-F71D-494D-88E2-0E0242A7FB81}">
+  <ds:schemaRefs>
+    <ds:schemaRef ds:uri="http://schemas.microsoft.com/VisualStudio/2011/storyboarding/control"/>
+  </ds:schemaRefs>
+</ds:datastoreItem>
+</file>
+
+<file path=customXml/itemProps19.xml><?xml version="1.0" encoding="utf-8"?>
+<ds:datastoreItem xmlns:ds="http://schemas.openxmlformats.org/officeDocument/2006/customXml" ds:itemID="{C1EF0E57-12D2-4B54-A790-AA6D167593A8}">
+  <ds:schemaRefs>
+    <ds:schemaRef ds:uri="http://schemas.microsoft.com/sharepoint/v3/contenttype/forms"/>
+  </ds:schemaRefs>
+</ds:datastoreItem>
+</file>
+
+<file path=customXml/itemProps2.xml><?xml version="1.0" encoding="utf-8"?>
 <ds:datastoreItem xmlns:ds="http://schemas.openxmlformats.org/officeDocument/2006/customXml" ds:itemID="{EFB835FA-19CC-4327-BD13-E7AE34EDE02A}">
   <ds:schemaRefs>
     <ds:schemaRef ds:uri="http://schemas.microsoft.com/VisualStudio/2011/storyboarding/control"/>
@@ -25452,72 +25729,8 @@
 </ds:datastoreItem>
 </file>
 
-<file path=customXml/itemProps13.xml><?xml version="1.0" encoding="utf-8"?>
-<ds:datastoreItem xmlns:ds="http://schemas.openxmlformats.org/officeDocument/2006/customXml" ds:itemID="{C1EF0E57-12D2-4B54-A790-AA6D167593A8}">
-  <ds:schemaRefs>
-    <ds:schemaRef ds:uri="http://schemas.microsoft.com/sharepoint/v3/contenttype/forms"/>
-  </ds:schemaRefs>
-</ds:datastoreItem>
-</file>
-
-<file path=customXml/itemProps14.xml><?xml version="1.0" encoding="utf-8"?>
-<ds:datastoreItem xmlns:ds="http://schemas.openxmlformats.org/officeDocument/2006/customXml" ds:itemID="{FFD75C83-7A2F-4943-AB60-CBD5D8852569}">
-  <ds:schemaRefs>
-    <ds:schemaRef ds:uri="http://schemas.microsoft.com/VisualStudio/2011/storyboarding/control"/>
-  </ds:schemaRefs>
-</ds:datastoreItem>
-</file>
-
-<file path=customXml/itemProps15.xml><?xml version="1.0" encoding="utf-8"?>
-<ds:datastoreItem xmlns:ds="http://schemas.openxmlformats.org/officeDocument/2006/customXml" ds:itemID="{D0C8E5F5-1416-464B-A1B7-CE94504B61FF}">
-  <ds:schemaRefs>
-    <ds:schemaRef ds:uri="http://schemas.microsoft.com/VisualStudio/2011/storyboarding/control"/>
-  </ds:schemaRefs>
-</ds:datastoreItem>
-</file>
-
-<file path=customXml/itemProps16.xml><?xml version="1.0" encoding="utf-8"?>
-<ds:datastoreItem xmlns:ds="http://schemas.openxmlformats.org/officeDocument/2006/customXml" ds:itemID="{77F8476C-D6DB-4C8A-B112-BC73850541D8}">
-  <ds:schemaRefs>
-    <ds:schemaRef ds:uri="http://schemas.microsoft.com/VisualStudio/2011/storyboarding/control"/>
-  </ds:schemaRefs>
-</ds:datastoreItem>
-</file>
-
-<file path=customXml/itemProps17.xml><?xml version="1.0" encoding="utf-8"?>
-<ds:datastoreItem xmlns:ds="http://schemas.openxmlformats.org/officeDocument/2006/customXml" ds:itemID="{9568DDD6-00D9-4A10-A9FD-9890E6AF0548}">
-  <ds:schemaRefs>
-    <ds:schemaRef ds:uri="http://schemas.microsoft.com/VisualStudio/2011/storyboarding/control"/>
-  </ds:schemaRefs>
-</ds:datastoreItem>
-</file>
-
-<file path=customXml/itemProps18.xml><?xml version="1.0" encoding="utf-8"?>
+<file path=customXml/itemProps20.xml><?xml version="1.0" encoding="utf-8"?>
 <ds:datastoreItem xmlns:ds="http://schemas.openxmlformats.org/officeDocument/2006/customXml" ds:itemID="{F8CCA937-E606-46D8-93A5-CD19DF5CBD6C}">
-  <ds:schemaRefs>
-    <ds:schemaRef ds:uri="http://schemas.microsoft.com/VisualStudio/2011/storyboarding/control"/>
-  </ds:schemaRefs>
-</ds:datastoreItem>
-</file>
-
-<file path=customXml/itemProps19.xml><?xml version="1.0" encoding="utf-8"?>
-<ds:datastoreItem xmlns:ds="http://schemas.openxmlformats.org/officeDocument/2006/customXml" ds:itemID="{72C281E9-5844-4442-A6FD-9A3E9747C415}">
-  <ds:schemaRefs>
-    <ds:schemaRef ds:uri="http://schemas.microsoft.com/VisualStudio/2011/storyboarding/control"/>
-  </ds:schemaRefs>
-</ds:datastoreItem>
-</file>
-
-<file path=customXml/itemProps2.xml><?xml version="1.0" encoding="utf-8"?>
-<ds:datastoreItem xmlns:ds="http://schemas.openxmlformats.org/officeDocument/2006/customXml" ds:itemID="{56FB0BF3-931D-42FC-B7D9-AACC7C02A665}">
-  <ds:schemaRefs>
-    <ds:schemaRef ds:uri="http://schemas.microsoft.com/VisualStudio/2011/storyboarding/control"/>
-  </ds:schemaRefs>
-</ds:datastoreItem>
-</file>
-
-<file path=customXml/itemProps20.xml><?xml version="1.0" encoding="utf-8"?>
-<ds:datastoreItem xmlns:ds="http://schemas.openxmlformats.org/officeDocument/2006/customXml" ds:itemID="{7CA785B5-CD07-476E-84EF-C220FC029469}">
   <ds:schemaRefs>
     <ds:schemaRef ds:uri="http://schemas.microsoft.com/VisualStudio/2011/storyboarding/control"/>
   </ds:schemaRefs>
@@ -25533,7 +25746,7 @@
 </file>
 
 <file path=customXml/itemProps3.xml><?xml version="1.0" encoding="utf-8"?>
-<ds:datastoreItem xmlns:ds="http://schemas.openxmlformats.org/officeDocument/2006/customXml" ds:itemID="{6100C7F5-F71D-494D-88E2-0E0242A7FB81}">
+<ds:datastoreItem xmlns:ds="http://schemas.openxmlformats.org/officeDocument/2006/customXml" ds:itemID="{9568DDD6-00D9-4A10-A9FD-9890E6AF0548}">
   <ds:schemaRefs>
     <ds:schemaRef ds:uri="http://schemas.microsoft.com/VisualStudio/2011/storyboarding/control"/>
   </ds:schemaRefs>
@@ -25541,7 +25754,7 @@
 </file>
 
 <file path=customXml/itemProps4.xml><?xml version="1.0" encoding="utf-8"?>
-<ds:datastoreItem xmlns:ds="http://schemas.openxmlformats.org/officeDocument/2006/customXml" ds:itemID="{BE5AFCAC-BA2A-4796-A1DE-805386B60B15}">
+<ds:datastoreItem xmlns:ds="http://schemas.openxmlformats.org/officeDocument/2006/customXml" ds:itemID="{56FB0BF3-931D-42FC-B7D9-AACC7C02A665}">
   <ds:schemaRefs>
     <ds:schemaRef ds:uri="http://schemas.microsoft.com/VisualStudio/2011/storyboarding/control"/>
   </ds:schemaRefs>
@@ -25549,7 +25762,7 @@
 </file>
 
 <file path=customXml/itemProps5.xml><?xml version="1.0" encoding="utf-8"?>
-<ds:datastoreItem xmlns:ds="http://schemas.openxmlformats.org/officeDocument/2006/customXml" ds:itemID="{4C444F71-33D9-4F82-8040-A02C57AF694F}">
+<ds:datastoreItem xmlns:ds="http://schemas.openxmlformats.org/officeDocument/2006/customXml" ds:itemID="{77F8476C-D6DB-4C8A-B112-BC73850541D8}">
   <ds:schemaRefs>
     <ds:schemaRef ds:uri="http://schemas.microsoft.com/VisualStudio/2011/storyboarding/control"/>
   </ds:schemaRefs>
@@ -25557,6 +25770,22 @@
 </file>
 
 <file path=customXml/itemProps6.xml><?xml version="1.0" encoding="utf-8"?>
+<ds:datastoreItem xmlns:ds="http://schemas.openxmlformats.org/officeDocument/2006/customXml" ds:itemID="{7CA785B5-CD07-476E-84EF-C220FC029469}">
+  <ds:schemaRefs>
+    <ds:schemaRef ds:uri="http://schemas.microsoft.com/VisualStudio/2011/storyboarding/control"/>
+  </ds:schemaRefs>
+</ds:datastoreItem>
+</file>
+
+<file path=customXml/itemProps7.xml><?xml version="1.0" encoding="utf-8"?>
+<ds:datastoreItem xmlns:ds="http://schemas.openxmlformats.org/officeDocument/2006/customXml" ds:itemID="{FCBA8645-7628-40FD-BD48-9894A0006086}">
+  <ds:schemaRefs>
+    <ds:schemaRef ds:uri="http://schemas.microsoft.com/VisualStudio/2011/storyboarding/control"/>
+  </ds:schemaRefs>
+</ds:datastoreItem>
+</file>
+
+<file path=customXml/itemProps8.xml><?xml version="1.0" encoding="utf-8"?>
 <ds:datastoreItem xmlns:ds="http://schemas.openxmlformats.org/officeDocument/2006/customXml" ds:itemID="{652C99CD-8514-4025-8271-D645EBF63B3A}">
   <ds:schemaRefs>
     <ds:schemaRef ds:uri="http://schemas.microsoft.com/VisualStudio/2011/storyboarding/control"/>
@@ -25564,24 +25793,8 @@
 </ds:datastoreItem>
 </file>
 
-<file path=customXml/itemProps7.xml><?xml version="1.0" encoding="utf-8"?>
-<ds:datastoreItem xmlns:ds="http://schemas.openxmlformats.org/officeDocument/2006/customXml" ds:itemID="{4826D02C-1449-4302-8C50-E9D7F17D4DC9}">
-  <ds:schemaRefs>
-    <ds:schemaRef ds:uri="http://schemas.microsoft.com/VisualStudio/2011/storyboarding/control"/>
-  </ds:schemaRefs>
-</ds:datastoreItem>
-</file>
-
-<file path=customXml/itemProps8.xml><?xml version="1.0" encoding="utf-8"?>
-<ds:datastoreItem xmlns:ds="http://schemas.openxmlformats.org/officeDocument/2006/customXml" ds:itemID="{F37B8CF7-CBBD-4984-8567-C9428FDF89F2}">
-  <ds:schemaRefs>
-    <ds:schemaRef ds:uri="http://schemas.microsoft.com/VisualStudio/2011/storyboarding/control"/>
-  </ds:schemaRefs>
-</ds:datastoreItem>
-</file>
-
 <file path=customXml/itemProps9.xml><?xml version="1.0" encoding="utf-8"?>
-<ds:datastoreItem xmlns:ds="http://schemas.openxmlformats.org/officeDocument/2006/customXml" ds:itemID="{EB43B946-5F3F-496A-BAC0-FDE1610E5DF7}">
+<ds:datastoreItem xmlns:ds="http://schemas.openxmlformats.org/officeDocument/2006/customXml" ds:itemID="{6E704730-EFDA-4001-A7F8-263EBDB030CD}">
   <ds:schemaRefs>
     <ds:schemaRef ds:uri="http://schemas.microsoft.com/VisualStudio/2011/storyboarding/control"/>
   </ds:schemaRefs>
